--- a/chinese/活出愛_識字班.pptx
+++ b/chinese/活出愛_識字班.pptx
@@ -14,7 +14,7 @@
     <p:sldId id="261" r:id="rId8"/>
     <p:sldId id="265" r:id="rId9"/>
   </p:sldIdLst>
-  <p:sldSz cx="9144000" cy="6858000" type="screen4x3"/>
+  <p:sldSz cx="9144000" cy="5143500" type="screen16x9"/>
   <p:notesSz cx="6858000" cy="9144000"/>
   <p:defaultTextStyle>
     <a:defPPr>
@@ -143,8 +143,8 @@
         </p:nvSpPr>
         <p:spPr>
           <a:xfrm>
-            <a:off x="685800" y="1122363"/>
-            <a:ext cx="7772400" cy="2387600"/>
+            <a:off x="685800" y="841772"/>
+            <a:ext cx="7772400" cy="1790700"/>
           </a:xfrm>
         </p:spPr>
         <p:txBody>
@@ -175,8 +175,8 @@
         </p:nvSpPr>
         <p:spPr>
           <a:xfrm>
-            <a:off x="1143000" y="3602038"/>
-            <a:ext cx="6858000" cy="1655762"/>
+            <a:off x="1143000" y="2701528"/>
+            <a:ext cx="6858000" cy="1241822"/>
           </a:xfrm>
         </p:spPr>
         <p:txBody>
@@ -246,7 +246,7 @@
             <a:fld id="{FC2CF43C-095E-4423-8445-2D616312A424}" type="datetimeFigureOut">
               <a:rPr lang="en-US" smtClean="0"/>
               <a:pPr/>
-              <a:t>4/18/2018</a:t>
+              <a:t>8/23/2019</a:t>
             </a:fld>
             <a:endParaRPr lang="en-US"/>
           </a:p>
@@ -298,7 +298,7 @@
     </p:spTree>
     <p:extLst>
       <p:ext uri="{BB962C8B-B14F-4D97-AF65-F5344CB8AC3E}">
-        <p14:creationId xmlns="" xmlns:p14="http://schemas.microsoft.com/office/powerpoint/2010/main" val="4124379980"/>
+        <p14:creationId xmlns:p14="http://schemas.microsoft.com/office/powerpoint/2010/main" xmlns="" val="4124379980"/>
       </p:ext>
     </p:extLst>
   </p:cSld>
@@ -418,7 +418,7 @@
             <a:fld id="{FC2CF43C-095E-4423-8445-2D616312A424}" type="datetimeFigureOut">
               <a:rPr lang="en-US" smtClean="0"/>
               <a:pPr/>
-              <a:t>4/18/2018</a:t>
+              <a:t>8/23/2019</a:t>
             </a:fld>
             <a:endParaRPr lang="en-US"/>
           </a:p>
@@ -470,7 +470,7 @@
     </p:spTree>
     <p:extLst>
       <p:ext uri="{BB962C8B-B14F-4D97-AF65-F5344CB8AC3E}">
-        <p14:creationId xmlns="" xmlns:p14="http://schemas.microsoft.com/office/powerpoint/2010/main" val="3109896751"/>
+        <p14:creationId xmlns:p14="http://schemas.microsoft.com/office/powerpoint/2010/main" xmlns="" val="3109896751"/>
       </p:ext>
     </p:extLst>
   </p:cSld>
@@ -509,8 +509,8 @@
         </p:nvSpPr>
         <p:spPr>
           <a:xfrm>
-            <a:off x="6543675" y="365125"/>
-            <a:ext cx="1971675" cy="5811838"/>
+            <a:off x="6543676" y="273843"/>
+            <a:ext cx="1971675" cy="4358879"/>
           </a:xfrm>
         </p:spPr>
         <p:txBody>
@@ -537,8 +537,8 @@
         </p:nvSpPr>
         <p:spPr>
           <a:xfrm>
-            <a:off x="628650" y="365125"/>
-            <a:ext cx="5800725" cy="5811838"/>
+            <a:off x="628653" y="273843"/>
+            <a:ext cx="5800725" cy="4358879"/>
           </a:xfrm>
         </p:spPr>
         <p:txBody>
@@ -600,7 +600,7 @@
             <a:fld id="{FC2CF43C-095E-4423-8445-2D616312A424}" type="datetimeFigureOut">
               <a:rPr lang="en-US" smtClean="0"/>
               <a:pPr/>
-              <a:t>4/18/2018</a:t>
+              <a:t>8/23/2019</a:t>
             </a:fld>
             <a:endParaRPr lang="en-US"/>
           </a:p>
@@ -652,7 +652,7 @@
     </p:spTree>
     <p:extLst>
       <p:ext uri="{BB962C8B-B14F-4D97-AF65-F5344CB8AC3E}">
-        <p14:creationId xmlns="" xmlns:p14="http://schemas.microsoft.com/office/powerpoint/2010/main" val="4023863993"/>
+        <p14:creationId xmlns:p14="http://schemas.microsoft.com/office/powerpoint/2010/main" xmlns="" val="4023863993"/>
       </p:ext>
     </p:extLst>
   </p:cSld>
@@ -772,7 +772,7 @@
             <a:fld id="{FC2CF43C-095E-4423-8445-2D616312A424}" type="datetimeFigureOut">
               <a:rPr lang="en-US" smtClean="0"/>
               <a:pPr/>
-              <a:t>4/18/2018</a:t>
+              <a:t>8/23/2019</a:t>
             </a:fld>
             <a:endParaRPr lang="en-US"/>
           </a:p>
@@ -824,7 +824,7 @@
     </p:spTree>
     <p:extLst>
       <p:ext uri="{BB962C8B-B14F-4D97-AF65-F5344CB8AC3E}">
-        <p14:creationId xmlns="" xmlns:p14="http://schemas.microsoft.com/office/powerpoint/2010/main" val="3548005799"/>
+        <p14:creationId xmlns:p14="http://schemas.microsoft.com/office/powerpoint/2010/main" xmlns="" val="3548005799"/>
       </p:ext>
     </p:extLst>
   </p:cSld>
@@ -863,8 +863,8 @@
         </p:nvSpPr>
         <p:spPr>
           <a:xfrm>
-            <a:off x="623888" y="1709739"/>
-            <a:ext cx="7886700" cy="2852737"/>
+            <a:off x="623888" y="1282306"/>
+            <a:ext cx="7886700" cy="2139553"/>
           </a:xfrm>
         </p:spPr>
         <p:txBody>
@@ -895,8 +895,8 @@
         </p:nvSpPr>
         <p:spPr>
           <a:xfrm>
-            <a:off x="623888" y="4589464"/>
-            <a:ext cx="7886700" cy="1500187"/>
+            <a:off x="623888" y="3442099"/>
+            <a:ext cx="7886700" cy="1125140"/>
           </a:xfrm>
         </p:spPr>
         <p:txBody>
@@ -1018,7 +1018,7 @@
             <a:fld id="{FC2CF43C-095E-4423-8445-2D616312A424}" type="datetimeFigureOut">
               <a:rPr lang="en-US" smtClean="0"/>
               <a:pPr/>
-              <a:t>4/18/2018</a:t>
+              <a:t>8/23/2019</a:t>
             </a:fld>
             <a:endParaRPr lang="en-US"/>
           </a:p>
@@ -1070,7 +1070,7 @@
     </p:spTree>
     <p:extLst>
       <p:ext uri="{BB962C8B-B14F-4D97-AF65-F5344CB8AC3E}">
-        <p14:creationId xmlns="" xmlns:p14="http://schemas.microsoft.com/office/powerpoint/2010/main" val="2619859303"/>
+        <p14:creationId xmlns:p14="http://schemas.microsoft.com/office/powerpoint/2010/main" xmlns="" val="2619859303"/>
       </p:ext>
     </p:extLst>
   </p:cSld>
@@ -1132,8 +1132,8 @@
         </p:nvSpPr>
         <p:spPr>
           <a:xfrm>
-            <a:off x="628650" y="1825625"/>
-            <a:ext cx="3886200" cy="4351338"/>
+            <a:off x="628650" y="1369218"/>
+            <a:ext cx="3886200" cy="3263504"/>
           </a:xfrm>
         </p:spPr>
         <p:txBody>
@@ -1189,8 +1189,8 @@
         </p:nvSpPr>
         <p:spPr>
           <a:xfrm>
-            <a:off x="4629150" y="1825625"/>
-            <a:ext cx="3886200" cy="4351338"/>
+            <a:off x="4629150" y="1369218"/>
+            <a:ext cx="3886200" cy="3263504"/>
           </a:xfrm>
         </p:spPr>
         <p:txBody>
@@ -1252,7 +1252,7 @@
             <a:fld id="{FC2CF43C-095E-4423-8445-2D616312A424}" type="datetimeFigureOut">
               <a:rPr lang="en-US" smtClean="0"/>
               <a:pPr/>
-              <a:t>4/18/2018</a:t>
+              <a:t>8/23/2019</a:t>
             </a:fld>
             <a:endParaRPr lang="en-US"/>
           </a:p>
@@ -1304,7 +1304,7 @@
     </p:spTree>
     <p:extLst>
       <p:ext uri="{BB962C8B-B14F-4D97-AF65-F5344CB8AC3E}">
-        <p14:creationId xmlns="" xmlns:p14="http://schemas.microsoft.com/office/powerpoint/2010/main" val="3477348250"/>
+        <p14:creationId xmlns:p14="http://schemas.microsoft.com/office/powerpoint/2010/main" xmlns="" val="3477348250"/>
       </p:ext>
     </p:extLst>
   </p:cSld>
@@ -1343,8 +1343,8 @@
         </p:nvSpPr>
         <p:spPr>
           <a:xfrm>
-            <a:off x="629841" y="365126"/>
-            <a:ext cx="7886700" cy="1325563"/>
+            <a:off x="629841" y="273845"/>
+            <a:ext cx="7886700" cy="994172"/>
           </a:xfrm>
         </p:spPr>
         <p:txBody>
@@ -1371,8 +1371,8 @@
         </p:nvSpPr>
         <p:spPr>
           <a:xfrm>
-            <a:off x="629842" y="1681163"/>
-            <a:ext cx="3868340" cy="823912"/>
+            <a:off x="629842" y="1260872"/>
+            <a:ext cx="3868340" cy="617934"/>
           </a:xfrm>
         </p:spPr>
         <p:txBody>
@@ -1436,8 +1436,8 @@
         </p:nvSpPr>
         <p:spPr>
           <a:xfrm>
-            <a:off x="629842" y="2505075"/>
-            <a:ext cx="3868340" cy="3684588"/>
+            <a:off x="629842" y="1878806"/>
+            <a:ext cx="3868340" cy="2763441"/>
           </a:xfrm>
         </p:spPr>
         <p:txBody>
@@ -1493,8 +1493,8 @@
         </p:nvSpPr>
         <p:spPr>
           <a:xfrm>
-            <a:off x="4629150" y="1681163"/>
-            <a:ext cx="3887391" cy="823912"/>
+            <a:off x="4629153" y="1260872"/>
+            <a:ext cx="3887391" cy="617934"/>
           </a:xfrm>
         </p:spPr>
         <p:txBody>
@@ -1558,8 +1558,8 @@
         </p:nvSpPr>
         <p:spPr>
           <a:xfrm>
-            <a:off x="4629150" y="2505075"/>
-            <a:ext cx="3887391" cy="3684588"/>
+            <a:off x="4629153" y="1878806"/>
+            <a:ext cx="3887391" cy="2763441"/>
           </a:xfrm>
         </p:spPr>
         <p:txBody>
@@ -1621,7 +1621,7 @@
             <a:fld id="{FC2CF43C-095E-4423-8445-2D616312A424}" type="datetimeFigureOut">
               <a:rPr lang="en-US" smtClean="0"/>
               <a:pPr/>
-              <a:t>4/18/2018</a:t>
+              <a:t>8/23/2019</a:t>
             </a:fld>
             <a:endParaRPr lang="en-US"/>
           </a:p>
@@ -1673,7 +1673,7 @@
     </p:spTree>
     <p:extLst>
       <p:ext uri="{BB962C8B-B14F-4D97-AF65-F5344CB8AC3E}">
-        <p14:creationId xmlns="" xmlns:p14="http://schemas.microsoft.com/office/powerpoint/2010/main" val="2537989265"/>
+        <p14:creationId xmlns:p14="http://schemas.microsoft.com/office/powerpoint/2010/main" xmlns="" val="2537989265"/>
       </p:ext>
     </p:extLst>
   </p:cSld>
@@ -1741,7 +1741,7 @@
             <a:fld id="{FC2CF43C-095E-4423-8445-2D616312A424}" type="datetimeFigureOut">
               <a:rPr lang="en-US" smtClean="0"/>
               <a:pPr/>
-              <a:t>4/18/2018</a:t>
+              <a:t>8/23/2019</a:t>
             </a:fld>
             <a:endParaRPr lang="en-US"/>
           </a:p>
@@ -1793,7 +1793,7 @@
     </p:spTree>
     <p:extLst>
       <p:ext uri="{BB962C8B-B14F-4D97-AF65-F5344CB8AC3E}">
-        <p14:creationId xmlns="" xmlns:p14="http://schemas.microsoft.com/office/powerpoint/2010/main" val="3805713816"/>
+        <p14:creationId xmlns:p14="http://schemas.microsoft.com/office/powerpoint/2010/main" xmlns="" val="3805713816"/>
       </p:ext>
     </p:extLst>
   </p:cSld>
@@ -1838,7 +1838,7 @@
             <a:fld id="{FC2CF43C-095E-4423-8445-2D616312A424}" type="datetimeFigureOut">
               <a:rPr lang="en-US" smtClean="0"/>
               <a:pPr/>
-              <a:t>4/18/2018</a:t>
+              <a:t>8/23/2019</a:t>
             </a:fld>
             <a:endParaRPr lang="en-US"/>
           </a:p>
@@ -1890,7 +1890,7 @@
     </p:spTree>
     <p:extLst>
       <p:ext uri="{BB962C8B-B14F-4D97-AF65-F5344CB8AC3E}">
-        <p14:creationId xmlns="" xmlns:p14="http://schemas.microsoft.com/office/powerpoint/2010/main" val="2656353507"/>
+        <p14:creationId xmlns:p14="http://schemas.microsoft.com/office/powerpoint/2010/main" xmlns="" val="2656353507"/>
       </p:ext>
     </p:extLst>
   </p:cSld>
@@ -1929,8 +1929,8 @@
         </p:nvSpPr>
         <p:spPr>
           <a:xfrm>
-            <a:off x="629841" y="457200"/>
-            <a:ext cx="2949178" cy="1600200"/>
+            <a:off x="629841" y="342900"/>
+            <a:ext cx="2949178" cy="1200150"/>
           </a:xfrm>
         </p:spPr>
         <p:txBody>
@@ -1961,8 +1961,8 @@
         </p:nvSpPr>
         <p:spPr>
           <a:xfrm>
-            <a:off x="3887391" y="987426"/>
-            <a:ext cx="4629150" cy="4873625"/>
+            <a:off x="3887391" y="740570"/>
+            <a:ext cx="4629150" cy="3655219"/>
           </a:xfrm>
         </p:spPr>
         <p:txBody>
@@ -2046,8 +2046,8 @@
         </p:nvSpPr>
         <p:spPr>
           <a:xfrm>
-            <a:off x="629841" y="2057400"/>
-            <a:ext cx="2949178" cy="3811588"/>
+            <a:off x="629841" y="1543051"/>
+            <a:ext cx="2949178" cy="2858691"/>
           </a:xfrm>
         </p:spPr>
         <p:txBody>
@@ -2117,7 +2117,7 @@
             <a:fld id="{FC2CF43C-095E-4423-8445-2D616312A424}" type="datetimeFigureOut">
               <a:rPr lang="en-US" smtClean="0"/>
               <a:pPr/>
-              <a:t>4/18/2018</a:t>
+              <a:t>8/23/2019</a:t>
             </a:fld>
             <a:endParaRPr lang="en-US"/>
           </a:p>
@@ -2169,7 +2169,7 @@
     </p:spTree>
     <p:extLst>
       <p:ext uri="{BB962C8B-B14F-4D97-AF65-F5344CB8AC3E}">
-        <p14:creationId xmlns="" xmlns:p14="http://schemas.microsoft.com/office/powerpoint/2010/main" val="626305984"/>
+        <p14:creationId xmlns:p14="http://schemas.microsoft.com/office/powerpoint/2010/main" xmlns="" val="626305984"/>
       </p:ext>
     </p:extLst>
   </p:cSld>
@@ -2208,8 +2208,8 @@
         </p:nvSpPr>
         <p:spPr>
           <a:xfrm>
-            <a:off x="629841" y="457200"/>
-            <a:ext cx="2949178" cy="1600200"/>
+            <a:off x="629841" y="342900"/>
+            <a:ext cx="2949178" cy="1200150"/>
           </a:xfrm>
         </p:spPr>
         <p:txBody>
@@ -2240,8 +2240,8 @@
         </p:nvSpPr>
         <p:spPr>
           <a:xfrm>
-            <a:off x="3887391" y="987426"/>
-            <a:ext cx="4629150" cy="4873625"/>
+            <a:off x="3887391" y="740570"/>
+            <a:ext cx="4629150" cy="3655219"/>
           </a:xfrm>
         </p:spPr>
         <p:txBody>
@@ -2305,8 +2305,8 @@
         </p:nvSpPr>
         <p:spPr>
           <a:xfrm>
-            <a:off x="629841" y="2057400"/>
-            <a:ext cx="2949178" cy="3811588"/>
+            <a:off x="629841" y="1543051"/>
+            <a:ext cx="2949178" cy="2858691"/>
           </a:xfrm>
         </p:spPr>
         <p:txBody>
@@ -2376,7 +2376,7 @@
             <a:fld id="{FC2CF43C-095E-4423-8445-2D616312A424}" type="datetimeFigureOut">
               <a:rPr lang="en-US" smtClean="0"/>
               <a:pPr/>
-              <a:t>4/18/2018</a:t>
+              <a:t>8/23/2019</a:t>
             </a:fld>
             <a:endParaRPr lang="en-US"/>
           </a:p>
@@ -2428,7 +2428,7 @@
     </p:spTree>
     <p:extLst>
       <p:ext uri="{BB962C8B-B14F-4D97-AF65-F5344CB8AC3E}">
-        <p14:creationId xmlns="" xmlns:p14="http://schemas.microsoft.com/office/powerpoint/2010/main" val="1614952201"/>
+        <p14:creationId xmlns:p14="http://schemas.microsoft.com/office/powerpoint/2010/main" xmlns="" val="1614952201"/>
       </p:ext>
     </p:extLst>
   </p:cSld>
@@ -2472,8 +2472,8 @@
         </p:nvSpPr>
         <p:spPr>
           <a:xfrm>
-            <a:off x="628650" y="365126"/>
-            <a:ext cx="7886700" cy="1325563"/>
+            <a:off x="628650" y="273845"/>
+            <a:ext cx="7886700" cy="994172"/>
           </a:xfrm>
           <a:prstGeom prst="rect">
             <a:avLst/>
@@ -2505,8 +2505,8 @@
         </p:nvSpPr>
         <p:spPr>
           <a:xfrm>
-            <a:off x="628650" y="1825625"/>
-            <a:ext cx="7886700" cy="4351338"/>
+            <a:off x="628650" y="1369218"/>
+            <a:ext cx="7886700" cy="3263504"/>
           </a:xfrm>
           <a:prstGeom prst="rect">
             <a:avLst/>
@@ -2567,8 +2567,8 @@
         </p:nvSpPr>
         <p:spPr>
           <a:xfrm>
-            <a:off x="628650" y="6356351"/>
-            <a:ext cx="2057400" cy="365125"/>
+            <a:off x="628650" y="4767264"/>
+            <a:ext cx="2057400" cy="273844"/>
           </a:xfrm>
           <a:prstGeom prst="rect">
             <a:avLst/>
@@ -2591,7 +2591,7 @@
             <a:fld id="{FC2CF43C-095E-4423-8445-2D616312A424}" type="datetimeFigureOut">
               <a:rPr lang="en-US" smtClean="0"/>
               <a:pPr/>
-              <a:t>4/18/2018</a:t>
+              <a:t>8/23/2019</a:t>
             </a:fld>
             <a:endParaRPr lang="en-US"/>
           </a:p>
@@ -2609,8 +2609,8 @@
         </p:nvSpPr>
         <p:spPr>
           <a:xfrm>
-            <a:off x="3028950" y="6356351"/>
-            <a:ext cx="3086100" cy="365125"/>
+            <a:off x="3028950" y="4767264"/>
+            <a:ext cx="3086100" cy="273844"/>
           </a:xfrm>
           <a:prstGeom prst="rect">
             <a:avLst/>
@@ -2646,8 +2646,8 @@
         </p:nvSpPr>
         <p:spPr>
           <a:xfrm>
-            <a:off x="6457950" y="6356351"/>
-            <a:ext cx="2057400" cy="365125"/>
+            <a:off x="6457950" y="4767264"/>
+            <a:ext cx="2057400" cy="273844"/>
           </a:xfrm>
           <a:prstGeom prst="rect">
             <a:avLst/>
@@ -2679,7 +2679,7 @@
     </p:spTree>
     <p:extLst>
       <p:ext uri="{BB962C8B-B14F-4D97-AF65-F5344CB8AC3E}">
-        <p14:creationId xmlns="" xmlns:p14="http://schemas.microsoft.com/office/powerpoint/2010/main" val="1081088145"/>
+        <p14:creationId xmlns:p14="http://schemas.microsoft.com/office/powerpoint/2010/main" xmlns="" val="1081088145"/>
       </p:ext>
     </p:extLst>
   </p:cSld>
@@ -3010,12 +3010,12 @@
         <p:spPr>
           <a:xfrm>
             <a:off x="0" y="0"/>
-            <a:ext cx="9144000" cy="1524000"/>
+            <a:ext cx="9144000" cy="1143000"/>
           </a:xfrm>
         </p:spPr>
         <p:txBody>
           <a:bodyPr>
-            <a:normAutofit/>
+            <a:normAutofit fontScale="90000"/>
           </a:bodyPr>
           <a:lstStyle/>
           <a:p>
@@ -3141,8 +3141,8 @@
         </p:nvSpPr>
         <p:spPr>
           <a:xfrm>
-            <a:off x="0" y="1600200"/>
-            <a:ext cx="9144000" cy="5257800"/>
+            <a:off x="0" y="1200150"/>
+            <a:ext cx="9144000" cy="3943350"/>
           </a:xfrm>
         </p:spPr>
         <p:txBody>
@@ -3155,7 +3155,7 @@
               <a:buNone/>
             </a:pPr>
             <a:r>
-              <a:rPr lang="zh-TW" altLang="en-US" sz="6600" b="1" dirty="0" smtClean="0">
+              <a:rPr lang="zh-TW" altLang="en-US" sz="5400" b="1" dirty="0" smtClean="0">
                 <a:solidFill>
                   <a:srgbClr val="000066"/>
                 </a:solidFill>
@@ -3171,7 +3171,7 @@
               </a:rPr>
               <a:t>有 一 份 愛 從 天 而 來</a:t>
             </a:r>
-            <a:endParaRPr lang="en-US" altLang="zh-TW" sz="6600" b="1" dirty="0" smtClean="0">
+            <a:endParaRPr lang="en-US" altLang="zh-TW" sz="5400" b="1" dirty="0" smtClean="0">
               <a:solidFill>
                 <a:srgbClr val="000066"/>
               </a:solidFill>
@@ -3191,7 +3191,7 @@
               <a:buNone/>
             </a:pPr>
             <a:r>
-              <a:rPr lang="en-US" sz="4400" b="1" dirty="0" err="1" smtClean="0">
+              <a:rPr lang="en-US" sz="3600" b="1" dirty="0" err="1" smtClean="0">
                 <a:effectLst>
                   <a:outerShdw blurRad="38100" dist="38100" dir="2700000" algn="tl">
                     <a:srgbClr val="000000">
@@ -3205,7 +3205,7 @@
               <a:t>Yǒu</a:t>
             </a:r>
             <a:r>
-              <a:rPr lang="en-US" sz="4400" b="1" dirty="0">
+              <a:rPr lang="en-US" sz="3600" b="1" dirty="0">
                 <a:effectLst>
                   <a:outerShdw blurRad="38100" dist="38100" dir="2700000" algn="tl">
                     <a:srgbClr val="000000">
@@ -3219,7 +3219,7 @@
               <a:t> </a:t>
             </a:r>
             <a:r>
-              <a:rPr lang="en-US" sz="4400" b="1" dirty="0" smtClean="0">
+              <a:rPr lang="en-US" sz="3600" b="1" dirty="0" smtClean="0">
                 <a:effectLst>
                   <a:outerShdw blurRad="38100" dist="38100" dir="2700000" algn="tl">
                     <a:srgbClr val="000000">
@@ -3233,7 +3233,7 @@
               <a:t>  </a:t>
             </a:r>
             <a:r>
-              <a:rPr lang="en-US" sz="4400" b="1" dirty="0" err="1" smtClean="0">
+              <a:rPr lang="en-US" sz="3600" b="1" dirty="0" err="1" smtClean="0">
                 <a:effectLst>
                   <a:outerShdw blurRad="38100" dist="38100" dir="2700000" algn="tl">
                     <a:srgbClr val="000000">
@@ -3247,7 +3247,7 @@
               <a:t>yī</a:t>
             </a:r>
             <a:r>
-              <a:rPr lang="en-US" sz="4400" b="1" dirty="0" smtClean="0">
+              <a:rPr lang="en-US" sz="3600" b="1" dirty="0" smtClean="0">
                 <a:effectLst>
                   <a:outerShdw blurRad="38100" dist="38100" dir="2700000" algn="tl">
                     <a:srgbClr val="000000">
@@ -3261,7 +3261,7 @@
               <a:t>   </a:t>
             </a:r>
             <a:r>
-              <a:rPr lang="en-US" sz="4400" b="1" dirty="0" err="1" smtClean="0">
+              <a:rPr lang="en-US" sz="3600" b="1" dirty="0" err="1" smtClean="0">
                 <a:effectLst>
                   <a:outerShdw blurRad="38100" dist="38100" dir="2700000" algn="tl">
                     <a:srgbClr val="000000">
@@ -3275,7 +3275,7 @@
               <a:t>fèn</a:t>
             </a:r>
             <a:r>
-              <a:rPr lang="en-US" sz="4400" b="1" dirty="0" smtClean="0">
+              <a:rPr lang="en-US" sz="3600" b="1" dirty="0" smtClean="0">
                 <a:effectLst>
                   <a:outerShdw blurRad="38100" dist="38100" dir="2700000" algn="tl">
                     <a:srgbClr val="000000">
@@ -3289,7 +3289,7 @@
               <a:t>   </a:t>
             </a:r>
             <a:r>
-              <a:rPr lang="en-US" sz="4400" b="1" dirty="0" err="1" smtClean="0">
+              <a:rPr lang="en-US" sz="3600" b="1" dirty="0" err="1" smtClean="0">
                 <a:effectLst>
                   <a:outerShdw blurRad="38100" dist="38100" dir="2700000" algn="tl">
                     <a:srgbClr val="000000">
@@ -3303,7 +3303,7 @@
               <a:t>ài</a:t>
             </a:r>
             <a:r>
-              <a:rPr lang="en-US" sz="4400" b="1" dirty="0" smtClean="0">
+              <a:rPr lang="en-US" sz="3600" b="1" dirty="0" smtClean="0">
                 <a:effectLst>
                   <a:outerShdw blurRad="38100" dist="38100" dir="2700000" algn="tl">
                     <a:srgbClr val="000000">
@@ -3317,7 +3317,7 @@
               <a:t>  </a:t>
             </a:r>
             <a:r>
-              <a:rPr lang="en-US" sz="4400" b="1" dirty="0" err="1" smtClean="0">
+              <a:rPr lang="en-US" sz="3600" b="1" dirty="0" err="1" smtClean="0">
                 <a:effectLst>
                   <a:outerShdw blurRad="38100" dist="38100" dir="2700000" algn="tl">
                     <a:srgbClr val="000000">
@@ -3331,7 +3331,7 @@
               <a:t>cóng</a:t>
             </a:r>
             <a:r>
-              <a:rPr lang="en-US" sz="4400" b="1" dirty="0" smtClean="0">
+              <a:rPr lang="en-US" sz="3600" b="1" dirty="0" smtClean="0">
                 <a:effectLst>
                   <a:outerShdw blurRad="38100" dist="38100" dir="2700000" algn="tl">
                     <a:srgbClr val="000000">
@@ -3345,7 +3345,7 @@
               <a:t>  </a:t>
             </a:r>
             <a:r>
-              <a:rPr lang="en-US" sz="4400" b="1" dirty="0" err="1" smtClean="0">
+              <a:rPr lang="en-US" sz="3600" b="1" dirty="0" err="1" smtClean="0">
                 <a:effectLst>
                   <a:outerShdw blurRad="38100" dist="38100" dir="2700000" algn="tl">
                     <a:srgbClr val="000000">
@@ -3359,7 +3359,7 @@
               <a:t>tiān</a:t>
             </a:r>
             <a:r>
-              <a:rPr lang="en-US" sz="4400" b="1" dirty="0" smtClean="0">
+              <a:rPr lang="en-US" sz="3600" b="1" dirty="0" smtClean="0">
                 <a:effectLst>
                   <a:outerShdw blurRad="38100" dist="38100" dir="2700000" algn="tl">
                     <a:srgbClr val="000000">
@@ -3373,7 +3373,7 @@
               <a:t>  </a:t>
             </a:r>
             <a:r>
-              <a:rPr lang="en-US" sz="4400" b="1" dirty="0" err="1" smtClean="0">
+              <a:rPr lang="en-US" sz="3600" b="1" dirty="0" err="1" smtClean="0">
                 <a:effectLst>
                   <a:outerShdw blurRad="38100" dist="38100" dir="2700000" algn="tl">
                     <a:srgbClr val="000000">
@@ -3387,7 +3387,7 @@
               <a:t>ér</a:t>
             </a:r>
             <a:r>
-              <a:rPr lang="en-US" sz="4400" b="1" dirty="0" smtClean="0">
+              <a:rPr lang="en-US" sz="3600" b="1" dirty="0" smtClean="0">
                 <a:effectLst>
                   <a:outerShdw blurRad="38100" dist="38100" dir="2700000" algn="tl">
                     <a:srgbClr val="000000">
@@ -3401,7 +3401,7 @@
               <a:t>  </a:t>
             </a:r>
             <a:r>
-              <a:rPr lang="en-US" sz="4400" b="1" dirty="0" err="1" smtClean="0">
+              <a:rPr lang="en-US" sz="3600" b="1" dirty="0" err="1" smtClean="0">
                 <a:effectLst>
                   <a:outerShdw blurRad="38100" dist="38100" dir="2700000" algn="tl">
                     <a:srgbClr val="000000">
@@ -3414,7 +3414,7 @@
               </a:rPr>
               <a:t>lái</a:t>
             </a:r>
-            <a:endParaRPr lang="en-US" altLang="zh-TW" sz="4400" b="1" dirty="0" smtClean="0">
+            <a:endParaRPr lang="en-US" altLang="zh-TW" sz="3600" b="1" dirty="0" smtClean="0">
               <a:solidFill>
                 <a:srgbClr val="000066"/>
               </a:solidFill>
@@ -3435,7 +3435,7 @@
               <a:buNone/>
             </a:pPr>
             <a:r>
-              <a:rPr lang="zh-TW" altLang="en-US" sz="6600" b="1" dirty="0" smtClean="0">
+              <a:rPr lang="zh-TW" altLang="en-US" sz="5400" b="1" dirty="0" smtClean="0">
                 <a:solidFill>
                   <a:srgbClr val="000066"/>
                 </a:solidFill>
@@ -3452,7 +3452,7 @@
               <a:t>比山高 </a:t>
             </a:r>
             <a:r>
-              <a:rPr lang="zh-TW" altLang="en-US" sz="6600" b="1" dirty="0">
+              <a:rPr lang="zh-TW" altLang="en-US" sz="5400" b="1" dirty="0">
                 <a:solidFill>
                   <a:srgbClr val="000066"/>
                 </a:solidFill>
@@ -3469,7 +3469,7 @@
               <a:t>比海</a:t>
             </a:r>
             <a:r>
-              <a:rPr lang="zh-TW" altLang="en-US" sz="6600" b="1" dirty="0" smtClean="0">
+              <a:rPr lang="zh-TW" altLang="en-US" sz="5400" b="1" dirty="0" smtClean="0">
                 <a:solidFill>
                   <a:srgbClr val="000066"/>
                 </a:solidFill>
@@ -3485,7 +3485,7 @@
               </a:rPr>
               <a:t>深</a:t>
             </a:r>
-            <a:endParaRPr lang="en-US" altLang="zh-TW" sz="6600" b="1" dirty="0" smtClean="0">
+            <a:endParaRPr lang="en-US" altLang="zh-TW" sz="5400" b="1" dirty="0" smtClean="0">
               <a:solidFill>
                 <a:srgbClr val="000066"/>
               </a:solidFill>
@@ -3505,7 +3505,7 @@
               <a:buNone/>
             </a:pPr>
             <a:r>
-              <a:rPr lang="en-US" sz="4400" b="1" dirty="0" err="1">
+              <a:rPr lang="en-US" sz="3600" b="1" dirty="0" err="1">
                 <a:effectLst>
                   <a:outerShdw blurRad="38100" dist="38100" dir="2700000" algn="tl">
                     <a:srgbClr val="000000">
@@ -3519,7 +3519,7 @@
               <a:t>Bǐ</a:t>
             </a:r>
             <a:r>
-              <a:rPr lang="en-US" sz="4400" b="1" dirty="0">
+              <a:rPr lang="en-US" sz="3600" b="1" dirty="0">
                 <a:effectLst>
                   <a:outerShdw blurRad="38100" dist="38100" dir="2700000" algn="tl">
                     <a:srgbClr val="000000">
@@ -3533,7 +3533,7 @@
               <a:t> </a:t>
             </a:r>
             <a:r>
-              <a:rPr lang="en-US" sz="4400" b="1" dirty="0" err="1">
+              <a:rPr lang="en-US" sz="3600" b="1" dirty="0" err="1">
                 <a:effectLst>
                   <a:outerShdw blurRad="38100" dist="38100" dir="2700000" algn="tl">
                     <a:srgbClr val="000000">
@@ -3547,7 +3547,7 @@
               <a:t>shān</a:t>
             </a:r>
             <a:r>
-              <a:rPr lang="en-US" sz="4400" b="1" dirty="0">
+              <a:rPr lang="en-US" sz="3600" b="1" dirty="0">
                 <a:effectLst>
                   <a:outerShdw blurRad="38100" dist="38100" dir="2700000" algn="tl">
                     <a:srgbClr val="000000">
@@ -3561,7 +3561,7 @@
               <a:t> </a:t>
             </a:r>
             <a:r>
-              <a:rPr lang="en-US" sz="4400" b="1" dirty="0" err="1">
+              <a:rPr lang="en-US" sz="3600" b="1" dirty="0" err="1">
                 <a:effectLst>
                   <a:outerShdw blurRad="38100" dist="38100" dir="2700000" algn="tl">
                     <a:srgbClr val="000000">
@@ -3575,7 +3575,7 @@
               <a:t>gāo</a:t>
             </a:r>
             <a:r>
-              <a:rPr lang="en-US" sz="4400" b="1" dirty="0">
+              <a:rPr lang="en-US" sz="3600" b="1" dirty="0">
                 <a:effectLst>
                   <a:outerShdw blurRad="38100" dist="38100" dir="2700000" algn="tl">
                     <a:srgbClr val="000000">
@@ -3589,7 +3589,7 @@
               <a:t> </a:t>
             </a:r>
             <a:r>
-              <a:rPr lang="en-US" sz="4400" b="1" dirty="0" smtClean="0">
+              <a:rPr lang="en-US" sz="3600" b="1" dirty="0" smtClean="0">
                 <a:effectLst>
                   <a:outerShdw blurRad="38100" dist="38100" dir="2700000" algn="tl">
                     <a:srgbClr val="000000">
@@ -3603,7 +3603,7 @@
               <a:t> </a:t>
             </a:r>
             <a:r>
-              <a:rPr lang="en-US" sz="4400" b="1" dirty="0" err="1" smtClean="0">
+              <a:rPr lang="en-US" sz="3600" b="1" dirty="0" err="1" smtClean="0">
                 <a:effectLst>
                   <a:outerShdw blurRad="38100" dist="38100" dir="2700000" algn="tl">
                     <a:srgbClr val="000000">
@@ -3617,7 +3617,7 @@
               <a:t>bǐ</a:t>
             </a:r>
             <a:r>
-              <a:rPr lang="en-US" sz="4400" b="1" dirty="0" smtClean="0">
+              <a:rPr lang="en-US" sz="3600" b="1" dirty="0" smtClean="0">
                 <a:effectLst>
                   <a:outerShdw blurRad="38100" dist="38100" dir="2700000" algn="tl">
                     <a:srgbClr val="000000">
@@ -3631,7 +3631,7 @@
               <a:t> </a:t>
             </a:r>
             <a:r>
-              <a:rPr lang="en-US" sz="4400" b="1" dirty="0" err="1">
+              <a:rPr lang="en-US" sz="3600" b="1" dirty="0" err="1">
                 <a:effectLst>
                   <a:outerShdw blurRad="38100" dist="38100" dir="2700000" algn="tl">
                     <a:srgbClr val="000000">
@@ -3645,7 +3645,7 @@
               <a:t>hǎi</a:t>
             </a:r>
             <a:r>
-              <a:rPr lang="en-US" sz="4400" b="1" dirty="0">
+              <a:rPr lang="en-US" sz="3600" b="1" dirty="0">
                 <a:effectLst>
                   <a:outerShdw blurRad="38100" dist="38100" dir="2700000" algn="tl">
                     <a:srgbClr val="000000">
@@ -3659,7 +3659,7 @@
               <a:t> </a:t>
             </a:r>
             <a:r>
-              <a:rPr lang="en-US" sz="4400" b="1" dirty="0" err="1">
+              <a:rPr lang="en-US" sz="3600" b="1" dirty="0" err="1">
                 <a:effectLst>
                   <a:outerShdw blurRad="38100" dist="38100" dir="2700000" algn="tl">
                     <a:srgbClr val="000000">
@@ -3672,7 +3672,7 @@
               </a:rPr>
               <a:t>shēn</a:t>
             </a:r>
-            <a:endParaRPr lang="en-US" altLang="zh-TW" sz="4400" b="1" dirty="0">
+            <a:endParaRPr lang="en-US" altLang="zh-TW" sz="3600" b="1" dirty="0">
               <a:effectLst>
                 <a:outerShdw blurRad="38100" dist="38100" dir="2700000" algn="tl">
                   <a:srgbClr val="000000">
@@ -3689,7 +3689,7 @@
     </p:spTree>
     <p:extLst>
       <p:ext uri="{BB962C8B-B14F-4D97-AF65-F5344CB8AC3E}">
-        <p14:creationId xmlns="" xmlns:p14="http://schemas.microsoft.com/office/powerpoint/2010/main" val="101518091"/>
+        <p14:creationId xmlns:p14="http://schemas.microsoft.com/office/powerpoint/2010/main" xmlns="" val="101518091"/>
       </p:ext>
     </p:extLst>
   </p:cSld>
@@ -3736,7 +3736,7 @@
         <p:spPr>
           <a:xfrm>
             <a:off x="0" y="0"/>
-            <a:ext cx="9144000" cy="1524000"/>
+            <a:ext cx="9144000" cy="1143000"/>
           </a:xfrm>
         </p:spPr>
         <p:txBody>
@@ -3776,8 +3776,8 @@
         </p:nvSpPr>
         <p:spPr>
           <a:xfrm>
-            <a:off x="0" y="1600200"/>
-            <a:ext cx="9144000" cy="5257800"/>
+            <a:off x="0" y="1200150"/>
+            <a:ext cx="9144000" cy="3943350"/>
           </a:xfrm>
         </p:spPr>
         <p:txBody>
@@ -3790,7 +3790,7 @@
               <a:buNone/>
             </a:pPr>
             <a:r>
-              <a:rPr lang="zh-TW" altLang="en-US" sz="6600" b="1" dirty="0">
+              <a:rPr lang="zh-TW" altLang="en-US" sz="5400" b="1" dirty="0">
                 <a:solidFill>
                   <a:srgbClr val="000066"/>
                 </a:solidFill>
@@ -3807,7 +3807,7 @@
               <a:t>測不透  摸不著</a:t>
             </a:r>
             <a:r>
-              <a:rPr lang="zh-TW" altLang="en-US" sz="5400" b="1" dirty="0">
+              <a:rPr lang="zh-TW" altLang="en-US" sz="4400" b="1" dirty="0">
                 <a:solidFill>
                   <a:srgbClr val="000066"/>
                 </a:solidFill>
@@ -3816,7 +3816,7 @@
               </a:rPr>
               <a:t> </a:t>
             </a:r>
-            <a:endParaRPr lang="en-US" altLang="zh-TW" sz="5400" b="1" dirty="0" smtClean="0">
+            <a:endParaRPr lang="en-US" altLang="zh-TW" sz="4400" b="1" dirty="0" smtClean="0">
               <a:solidFill>
                 <a:srgbClr val="000066"/>
               </a:solidFill>
@@ -3829,7 +3829,7 @@
               <a:buNone/>
             </a:pPr>
             <a:r>
-              <a:rPr lang="en-US" sz="4400" b="1" dirty="0" err="1">
+              <a:rPr lang="en-US" sz="3600" b="1" dirty="0" err="1">
                 <a:effectLst>
                   <a:outerShdw blurRad="38100" dist="38100" dir="2700000" algn="tl">
                     <a:srgbClr val="000000">
@@ -3843,7 +3843,7 @@
               <a:t>Cè</a:t>
             </a:r>
             <a:r>
-              <a:rPr lang="en-US" sz="4400" b="1" dirty="0">
+              <a:rPr lang="en-US" sz="3600" b="1" dirty="0">
                 <a:effectLst>
                   <a:outerShdw blurRad="38100" dist="38100" dir="2700000" algn="tl">
                     <a:srgbClr val="000000">
@@ -3857,7 +3857,7 @@
               <a:t> </a:t>
             </a:r>
             <a:r>
-              <a:rPr lang="en-US" sz="4400" b="1" dirty="0" err="1">
+              <a:rPr lang="en-US" sz="3600" b="1" dirty="0" err="1">
                 <a:effectLst>
                   <a:outerShdw blurRad="38100" dist="38100" dir="2700000" algn="tl">
                     <a:srgbClr val="000000">
@@ -3871,7 +3871,7 @@
               <a:t>bù</a:t>
             </a:r>
             <a:r>
-              <a:rPr lang="en-US" sz="4400" b="1" dirty="0">
+              <a:rPr lang="en-US" sz="3600" b="1" dirty="0">
                 <a:effectLst>
                   <a:outerShdw blurRad="38100" dist="38100" dir="2700000" algn="tl">
                     <a:srgbClr val="000000">
@@ -3885,7 +3885,7 @@
               <a:t> </a:t>
             </a:r>
             <a:r>
-              <a:rPr lang="en-US" sz="4400" b="1" dirty="0" err="1">
+              <a:rPr lang="en-US" sz="3600" b="1" dirty="0" err="1">
                 <a:effectLst>
                   <a:outerShdw blurRad="38100" dist="38100" dir="2700000" algn="tl">
                     <a:srgbClr val="000000">
@@ -3899,7 +3899,7 @@
               <a:t>tòu</a:t>
             </a:r>
             <a:r>
-              <a:rPr lang="en-US" sz="4400" b="1" dirty="0">
+              <a:rPr lang="en-US" sz="3600" b="1" dirty="0">
                 <a:effectLst>
                   <a:outerShdw blurRad="38100" dist="38100" dir="2700000" algn="tl">
                     <a:srgbClr val="000000">
@@ -3913,7 +3913,7 @@
               <a:t> </a:t>
             </a:r>
             <a:r>
-              <a:rPr lang="en-US" sz="4400" b="1" dirty="0" smtClean="0">
+              <a:rPr lang="en-US" sz="3600" b="1" dirty="0" smtClean="0">
                 <a:effectLst>
                   <a:outerShdw blurRad="38100" dist="38100" dir="2700000" algn="tl">
                     <a:srgbClr val="000000">
@@ -3927,7 +3927,7 @@
               <a:t>   </a:t>
             </a:r>
             <a:r>
-              <a:rPr lang="en-US" sz="4400" b="1" dirty="0" err="1" smtClean="0">
+              <a:rPr lang="en-US" sz="3600" b="1" dirty="0" err="1" smtClean="0">
                 <a:effectLst>
                   <a:outerShdw blurRad="38100" dist="38100" dir="2700000" algn="tl">
                     <a:srgbClr val="000000">
@@ -3941,7 +3941,7 @@
               <a:t>mō</a:t>
             </a:r>
             <a:r>
-              <a:rPr lang="en-US" sz="4400" b="1" dirty="0" smtClean="0">
+              <a:rPr lang="en-US" sz="3600" b="1" dirty="0" smtClean="0">
                 <a:effectLst>
                   <a:outerShdw blurRad="38100" dist="38100" dir="2700000" algn="tl">
                     <a:srgbClr val="000000">
@@ -3955,7 +3955,7 @@
               <a:t> </a:t>
             </a:r>
             <a:r>
-              <a:rPr lang="en-US" sz="4400" b="1" dirty="0" err="1">
+              <a:rPr lang="en-US" sz="3600" b="1" dirty="0" err="1">
                 <a:effectLst>
                   <a:outerShdw blurRad="38100" dist="38100" dir="2700000" algn="tl">
                     <a:srgbClr val="000000">
@@ -3969,7 +3969,7 @@
               <a:t>bù</a:t>
             </a:r>
             <a:r>
-              <a:rPr lang="en-US" sz="4400" b="1" dirty="0">
+              <a:rPr lang="en-US" sz="3600" b="1" dirty="0">
                 <a:effectLst>
                   <a:outerShdw blurRad="38100" dist="38100" dir="2700000" algn="tl">
                     <a:srgbClr val="000000">
@@ -3983,7 +3983,7 @@
               <a:t> </a:t>
             </a:r>
             <a:r>
-              <a:rPr lang="en-US" sz="4400" b="1" dirty="0" err="1" smtClean="0">
+              <a:rPr lang="en-US" sz="3600" b="1" dirty="0" err="1" smtClean="0">
                 <a:effectLst>
                   <a:outerShdw blurRad="38100" dist="38100" dir="2700000" algn="tl">
                     <a:srgbClr val="000000">
@@ -3996,7 +3996,7 @@
               </a:rPr>
               <a:t>zháo</a:t>
             </a:r>
-            <a:endParaRPr lang="en-US" sz="4400" b="1" dirty="0">
+            <a:endParaRPr lang="en-US" sz="3600" b="1" dirty="0">
               <a:effectLst>
                 <a:outerShdw blurRad="38100" dist="38100" dir="2700000" algn="tl">
                   <a:srgbClr val="000000">
@@ -4013,7 +4013,7 @@
               <a:buNone/>
             </a:pPr>
             <a:r>
-              <a:rPr lang="zh-TW" altLang="en-US" sz="6600" b="1" dirty="0">
+              <a:rPr lang="zh-TW" altLang="en-US" sz="5400" b="1" dirty="0">
                 <a:solidFill>
                   <a:srgbClr val="000066"/>
                 </a:solidFill>
@@ -4029,7 +4029,7 @@
               </a:rPr>
               <a:t>卻看得見</a:t>
             </a:r>
-            <a:endParaRPr lang="en-US" altLang="zh-TW" sz="6600" b="1" dirty="0">
+            <a:endParaRPr lang="en-US" altLang="zh-TW" sz="5400" b="1" dirty="0">
               <a:solidFill>
                 <a:srgbClr val="000066"/>
               </a:solidFill>
@@ -4049,7 +4049,7 @@
               <a:buNone/>
             </a:pPr>
             <a:r>
-              <a:rPr lang="en-US" sz="4400" b="1" dirty="0" err="1">
+              <a:rPr lang="en-US" sz="3600" b="1" dirty="0" err="1">
                 <a:effectLst>
                   <a:outerShdw blurRad="38100" dist="38100" dir="2700000" algn="tl">
                     <a:srgbClr val="000000">
@@ -4063,7 +4063,7 @@
               <a:t>Què</a:t>
             </a:r>
             <a:r>
-              <a:rPr lang="en-US" sz="4400" b="1" dirty="0">
+              <a:rPr lang="en-US" sz="3600" b="1" dirty="0">
                 <a:effectLst>
                   <a:outerShdw blurRad="38100" dist="38100" dir="2700000" algn="tl">
                     <a:srgbClr val="000000">
@@ -4077,7 +4077,7 @@
               <a:t> </a:t>
             </a:r>
             <a:r>
-              <a:rPr lang="en-US" sz="4400" b="1" dirty="0" err="1">
+              <a:rPr lang="en-US" sz="3600" b="1" dirty="0" err="1">
                 <a:effectLst>
                   <a:outerShdw blurRad="38100" dist="38100" dir="2700000" algn="tl">
                     <a:srgbClr val="000000">
@@ -4091,7 +4091,7 @@
               <a:t>kàn</a:t>
             </a:r>
             <a:r>
-              <a:rPr lang="en-US" sz="4400" b="1" dirty="0">
+              <a:rPr lang="en-US" sz="3600" b="1" dirty="0">
                 <a:effectLst>
                   <a:outerShdw blurRad="38100" dist="38100" dir="2700000" algn="tl">
                     <a:srgbClr val="000000">
@@ -4105,7 +4105,7 @@
               <a:t> </a:t>
             </a:r>
             <a:r>
-              <a:rPr lang="en-US" sz="4400" b="1" dirty="0" err="1">
+              <a:rPr lang="en-US" sz="3600" b="1" dirty="0" err="1">
                 <a:effectLst>
                   <a:outerShdw blurRad="38100" dist="38100" dir="2700000" algn="tl">
                     <a:srgbClr val="000000">
@@ -4119,7 +4119,7 @@
               <a:t>dé</a:t>
             </a:r>
             <a:r>
-              <a:rPr lang="en-US" sz="4400" b="1" dirty="0">
+              <a:rPr lang="en-US" sz="3600" b="1" dirty="0">
                 <a:effectLst>
                   <a:outerShdw blurRad="38100" dist="38100" dir="2700000" algn="tl">
                     <a:srgbClr val="000000">
@@ -4133,7 +4133,7 @@
               <a:t> </a:t>
             </a:r>
             <a:r>
-              <a:rPr lang="en-US" sz="4400" b="1" dirty="0" err="1">
+              <a:rPr lang="en-US" sz="3600" b="1" dirty="0" err="1">
                 <a:effectLst>
                   <a:outerShdw blurRad="38100" dist="38100" dir="2700000" algn="tl">
                     <a:srgbClr val="000000">
@@ -4146,7 +4146,7 @@
               </a:rPr>
               <a:t>jiàn</a:t>
             </a:r>
-            <a:endParaRPr lang="zh-TW" altLang="en-US" sz="4400" b="1" dirty="0">
+            <a:endParaRPr lang="zh-TW" altLang="en-US" sz="3600" b="1" dirty="0">
               <a:effectLst>
                 <a:outerShdw blurRad="38100" dist="38100" dir="2700000" algn="tl">
                   <a:srgbClr val="000000">
@@ -4163,7 +4163,7 @@
     </p:spTree>
     <p:extLst>
       <p:ext uri="{BB962C8B-B14F-4D97-AF65-F5344CB8AC3E}">
-        <p14:creationId xmlns="" xmlns:p14="http://schemas.microsoft.com/office/powerpoint/2010/main" val="51611690"/>
+        <p14:creationId xmlns:p14="http://schemas.microsoft.com/office/powerpoint/2010/main" xmlns="" val="51611690"/>
       </p:ext>
     </p:extLst>
   </p:cSld>
@@ -4210,7 +4210,7 @@
         <p:spPr>
           <a:xfrm>
             <a:off x="0" y="0"/>
-            <a:ext cx="9144000" cy="1524000"/>
+            <a:ext cx="9144000" cy="1143000"/>
           </a:xfrm>
         </p:spPr>
         <p:txBody>
@@ -4250,8 +4250,8 @@
         </p:nvSpPr>
         <p:spPr>
           <a:xfrm>
-            <a:off x="0" y="1600200"/>
-            <a:ext cx="9144000" cy="5257800"/>
+            <a:off x="0" y="1200150"/>
+            <a:ext cx="9144000" cy="3943350"/>
           </a:xfrm>
         </p:spPr>
         <p:txBody>
@@ -4264,7 +4264,7 @@
               <a:buNone/>
             </a:pPr>
             <a:r>
-              <a:rPr lang="zh-TW" altLang="en-US" sz="6600" b="1" dirty="0">
+              <a:rPr lang="zh-TW" altLang="en-US" sz="5400" b="1" dirty="0">
                 <a:solidFill>
                   <a:srgbClr val="000066"/>
                 </a:solidFill>
@@ -4280,7 +4280,7 @@
               </a:rPr>
               <a:t>因為有你 因為有我</a:t>
             </a:r>
-            <a:endParaRPr lang="en-US" altLang="zh-TW" sz="6600" b="1" dirty="0">
+            <a:endParaRPr lang="en-US" altLang="zh-TW" sz="5400" b="1" dirty="0">
               <a:solidFill>
                 <a:srgbClr val="000066"/>
               </a:solidFill>
@@ -4300,7 +4300,7 @@
               <a:buNone/>
             </a:pPr>
             <a:r>
-              <a:rPr lang="en-US" sz="4400" b="1" dirty="0" err="1">
+              <a:rPr lang="en-US" sz="3600" b="1" dirty="0" err="1">
                 <a:effectLst>
                   <a:outerShdw blurRad="38100" dist="38100" dir="2700000" algn="tl">
                     <a:srgbClr val="000000">
@@ -4314,7 +4314,7 @@
               <a:t>Yīn</a:t>
             </a:r>
             <a:r>
-              <a:rPr lang="en-US" sz="4400" b="1" dirty="0">
+              <a:rPr lang="en-US" sz="3600" b="1" dirty="0">
                 <a:effectLst>
                   <a:outerShdw blurRad="38100" dist="38100" dir="2700000" algn="tl">
                     <a:srgbClr val="000000">
@@ -4328,7 +4328,7 @@
               <a:t> </a:t>
             </a:r>
             <a:r>
-              <a:rPr lang="en-US" sz="4400" b="1" dirty="0" err="1">
+              <a:rPr lang="en-US" sz="3600" b="1" dirty="0" err="1">
                 <a:effectLst>
                   <a:outerShdw blurRad="38100" dist="38100" dir="2700000" algn="tl">
                     <a:srgbClr val="000000">
@@ -4342,7 +4342,7 @@
               <a:t>wèi</a:t>
             </a:r>
             <a:r>
-              <a:rPr lang="en-US" sz="4400" b="1" dirty="0">
+              <a:rPr lang="en-US" sz="3600" b="1" dirty="0">
                 <a:effectLst>
                   <a:outerShdw blurRad="38100" dist="38100" dir="2700000" algn="tl">
                     <a:srgbClr val="000000">
@@ -4356,7 +4356,7 @@
               <a:t> </a:t>
             </a:r>
             <a:r>
-              <a:rPr lang="en-US" sz="4400" b="1" dirty="0" err="1">
+              <a:rPr lang="en-US" sz="3600" b="1" dirty="0" err="1">
                 <a:effectLst>
                   <a:outerShdw blurRad="38100" dist="38100" dir="2700000" algn="tl">
                     <a:srgbClr val="000000">
@@ -4370,7 +4370,7 @@
               <a:t>yǒu</a:t>
             </a:r>
             <a:r>
-              <a:rPr lang="en-US" sz="4400" b="1" dirty="0">
+              <a:rPr lang="en-US" sz="3600" b="1" dirty="0">
                 <a:effectLst>
                   <a:outerShdw blurRad="38100" dist="38100" dir="2700000" algn="tl">
                     <a:srgbClr val="000000">
@@ -4384,7 +4384,7 @@
               <a:t> </a:t>
             </a:r>
             <a:r>
-              <a:rPr lang="en-US" sz="4400" b="1" dirty="0" err="1">
+              <a:rPr lang="en-US" sz="3600" b="1" dirty="0" err="1">
                 <a:effectLst>
                   <a:outerShdw blurRad="38100" dist="38100" dir="2700000" algn="tl">
                     <a:srgbClr val="000000">
@@ -4398,7 +4398,7 @@
               <a:t>nǐ</a:t>
             </a:r>
             <a:r>
-              <a:rPr lang="en-US" sz="4400" b="1" dirty="0">
+              <a:rPr lang="en-US" sz="3600" b="1" dirty="0">
                 <a:effectLst>
                   <a:outerShdw blurRad="38100" dist="38100" dir="2700000" algn="tl">
                     <a:srgbClr val="000000">
@@ -4412,7 +4412,7 @@
               <a:t> </a:t>
             </a:r>
             <a:r>
-              <a:rPr lang="en-US" sz="4400" b="1" dirty="0" smtClean="0">
+              <a:rPr lang="en-US" sz="3600" b="1" dirty="0" smtClean="0">
                 <a:effectLst>
                   <a:outerShdw blurRad="38100" dist="38100" dir="2700000" algn="tl">
                     <a:srgbClr val="000000">
@@ -4426,7 +4426,7 @@
               <a:t> </a:t>
             </a:r>
             <a:r>
-              <a:rPr lang="en-US" sz="4400" b="1" dirty="0" err="1" smtClean="0">
+              <a:rPr lang="en-US" sz="3600" b="1" dirty="0" err="1" smtClean="0">
                 <a:effectLst>
                   <a:outerShdw blurRad="38100" dist="38100" dir="2700000" algn="tl">
                     <a:srgbClr val="000000">
@@ -4440,7 +4440,7 @@
               <a:t>yīn</a:t>
             </a:r>
             <a:r>
-              <a:rPr lang="en-US" sz="4400" b="1" dirty="0" smtClean="0">
+              <a:rPr lang="en-US" sz="3600" b="1" dirty="0" smtClean="0">
                 <a:effectLst>
                   <a:outerShdw blurRad="38100" dist="38100" dir="2700000" algn="tl">
                     <a:srgbClr val="000000">
@@ -4454,7 +4454,7 @@
               <a:t> </a:t>
             </a:r>
             <a:r>
-              <a:rPr lang="en-US" sz="4400" b="1" dirty="0" err="1">
+              <a:rPr lang="en-US" sz="3600" b="1" dirty="0" err="1">
                 <a:effectLst>
                   <a:outerShdw blurRad="38100" dist="38100" dir="2700000" algn="tl">
                     <a:srgbClr val="000000">
@@ -4468,7 +4468,7 @@
               <a:t>wèi</a:t>
             </a:r>
             <a:r>
-              <a:rPr lang="en-US" sz="4400" b="1" dirty="0">
+              <a:rPr lang="en-US" sz="3600" b="1" dirty="0">
                 <a:effectLst>
                   <a:outerShdw blurRad="38100" dist="38100" dir="2700000" algn="tl">
                     <a:srgbClr val="000000">
@@ -4482,7 +4482,7 @@
               <a:t> </a:t>
             </a:r>
             <a:r>
-              <a:rPr lang="en-US" sz="4400" b="1" dirty="0" err="1">
+              <a:rPr lang="en-US" sz="3600" b="1" dirty="0" err="1">
                 <a:effectLst>
                   <a:outerShdw blurRad="38100" dist="38100" dir="2700000" algn="tl">
                     <a:srgbClr val="000000">
@@ -4496,7 +4496,7 @@
               <a:t>yǒu</a:t>
             </a:r>
             <a:r>
-              <a:rPr lang="en-US" sz="4400" b="1" dirty="0">
+              <a:rPr lang="en-US" sz="3600" b="1" dirty="0">
                 <a:effectLst>
                   <a:outerShdw blurRad="38100" dist="38100" dir="2700000" algn="tl">
                     <a:srgbClr val="000000">
@@ -4510,7 +4510,7 @@
               <a:t> </a:t>
             </a:r>
             <a:r>
-              <a:rPr lang="en-US" sz="4400" b="1" dirty="0" err="1">
+              <a:rPr lang="en-US" sz="3600" b="1" dirty="0" err="1">
                 <a:effectLst>
                   <a:outerShdw blurRad="38100" dist="38100" dir="2700000" algn="tl">
                     <a:srgbClr val="000000">
@@ -4523,7 +4523,7 @@
               </a:rPr>
               <a:t>wǒ</a:t>
             </a:r>
-            <a:endParaRPr lang="en-US" altLang="zh-TW" sz="4400" b="1" dirty="0">
+            <a:endParaRPr lang="en-US" altLang="zh-TW" sz="3600" b="1" dirty="0">
               <a:effectLst>
                 <a:outerShdw blurRad="38100" dist="38100" dir="2700000" algn="tl">
                   <a:srgbClr val="000000">
@@ -4540,7 +4540,7 @@
               <a:buNone/>
             </a:pPr>
             <a:r>
-              <a:rPr lang="zh-TW" altLang="en-US" sz="6600" b="1" dirty="0">
+              <a:rPr lang="zh-TW" altLang="en-US" sz="5400" b="1" dirty="0">
                 <a:solidFill>
                   <a:srgbClr val="000066"/>
                 </a:solidFill>
@@ -4556,7 +4556,7 @@
               </a:rPr>
               <a:t>甘心給 用心愛</a:t>
             </a:r>
-            <a:endParaRPr lang="en-US" altLang="zh-TW" sz="6600" b="1" dirty="0">
+            <a:endParaRPr lang="en-US" altLang="zh-TW" sz="5400" b="1" dirty="0">
               <a:solidFill>
                 <a:srgbClr val="000066"/>
               </a:solidFill>
@@ -4576,7 +4576,7 @@
               <a:buNone/>
             </a:pPr>
             <a:r>
-              <a:rPr lang="en-US" sz="4400" b="1" dirty="0" err="1">
+              <a:rPr lang="en-US" sz="3600" b="1" dirty="0" err="1">
                 <a:effectLst>
                   <a:outerShdw blurRad="38100" dist="38100" dir="2700000" algn="tl">
                     <a:srgbClr val="000000">
@@ -4590,7 +4590,7 @@
               <a:t>Gān</a:t>
             </a:r>
             <a:r>
-              <a:rPr lang="en-US" sz="4400" b="1" dirty="0">
+              <a:rPr lang="en-US" sz="3600" b="1" dirty="0">
                 <a:effectLst>
                   <a:outerShdw blurRad="38100" dist="38100" dir="2700000" algn="tl">
                     <a:srgbClr val="000000">
@@ -4604,7 +4604,7 @@
               <a:t> </a:t>
             </a:r>
             <a:r>
-              <a:rPr lang="en-US" sz="4400" b="1" dirty="0" err="1">
+              <a:rPr lang="en-US" sz="3600" b="1" dirty="0" err="1">
                 <a:effectLst>
                   <a:outerShdw blurRad="38100" dist="38100" dir="2700000" algn="tl">
                     <a:srgbClr val="000000">
@@ -4618,7 +4618,7 @@
               <a:t>xīn</a:t>
             </a:r>
             <a:r>
-              <a:rPr lang="en-US" sz="4400" b="1" dirty="0">
+              <a:rPr lang="en-US" sz="3600" b="1" dirty="0">
                 <a:effectLst>
                   <a:outerShdw blurRad="38100" dist="38100" dir="2700000" algn="tl">
                     <a:srgbClr val="000000">
@@ -4632,7 +4632,7 @@
               <a:t> </a:t>
             </a:r>
             <a:r>
-              <a:rPr lang="en-US" sz="4400" b="1" dirty="0" err="1">
+              <a:rPr lang="en-US" sz="3600" b="1" dirty="0" err="1">
                 <a:effectLst>
                   <a:outerShdw blurRad="38100" dist="38100" dir="2700000" algn="tl">
                     <a:srgbClr val="000000">
@@ -4646,7 +4646,7 @@
               <a:t>gěi</a:t>
             </a:r>
             <a:r>
-              <a:rPr lang="en-US" sz="4400" b="1" dirty="0">
+              <a:rPr lang="en-US" sz="3600" b="1" dirty="0">
                 <a:effectLst>
                   <a:outerShdw blurRad="38100" dist="38100" dir="2700000" algn="tl">
                     <a:srgbClr val="000000">
@@ -4660,7 +4660,7 @@
               <a:t> </a:t>
             </a:r>
             <a:r>
-              <a:rPr lang="en-US" sz="4400" b="1" dirty="0" smtClean="0">
+              <a:rPr lang="en-US" sz="3600" b="1" dirty="0" smtClean="0">
                 <a:effectLst>
                   <a:outerShdw blurRad="38100" dist="38100" dir="2700000" algn="tl">
                     <a:srgbClr val="000000">
@@ -4674,7 +4674,7 @@
               <a:t> </a:t>
             </a:r>
             <a:r>
-              <a:rPr lang="en-US" sz="4400" b="1" dirty="0" err="1" smtClean="0">
+              <a:rPr lang="en-US" sz="3600" b="1" dirty="0" err="1" smtClean="0">
                 <a:effectLst>
                   <a:outerShdw blurRad="38100" dist="38100" dir="2700000" algn="tl">
                     <a:srgbClr val="000000">
@@ -4688,7 +4688,7 @@
               <a:t>yòng</a:t>
             </a:r>
             <a:r>
-              <a:rPr lang="en-US" sz="4400" b="1" dirty="0" smtClean="0">
+              <a:rPr lang="en-US" sz="3600" b="1" dirty="0" smtClean="0">
                 <a:effectLst>
                   <a:outerShdw blurRad="38100" dist="38100" dir="2700000" algn="tl">
                     <a:srgbClr val="000000">
@@ -4702,7 +4702,7 @@
               <a:t> </a:t>
             </a:r>
             <a:r>
-              <a:rPr lang="en-US" sz="4400" b="1" dirty="0" err="1">
+              <a:rPr lang="en-US" sz="3600" b="1" dirty="0" err="1">
                 <a:effectLst>
                   <a:outerShdw blurRad="38100" dist="38100" dir="2700000" algn="tl">
                     <a:srgbClr val="000000">
@@ -4716,7 +4716,7 @@
               <a:t>xīn</a:t>
             </a:r>
             <a:r>
-              <a:rPr lang="en-US" sz="4400" b="1" dirty="0">
+              <a:rPr lang="en-US" sz="3600" b="1" dirty="0">
                 <a:effectLst>
                   <a:outerShdw blurRad="38100" dist="38100" dir="2700000" algn="tl">
                     <a:srgbClr val="000000">
@@ -4730,7 +4730,7 @@
               <a:t> </a:t>
             </a:r>
             <a:r>
-              <a:rPr lang="en-US" sz="4400" b="1" dirty="0" err="1">
+              <a:rPr lang="en-US" sz="3600" b="1" dirty="0" err="1">
                 <a:effectLst>
                   <a:outerShdw blurRad="38100" dist="38100" dir="2700000" algn="tl">
                     <a:srgbClr val="000000">
@@ -4743,7 +4743,7 @@
               </a:rPr>
               <a:t>ài</a:t>
             </a:r>
-            <a:endParaRPr lang="en-US" altLang="zh-TW" sz="4400" b="1" dirty="0">
+            <a:endParaRPr lang="en-US" altLang="zh-TW" sz="3600" b="1" dirty="0">
               <a:effectLst>
                 <a:outerShdw blurRad="38100" dist="38100" dir="2700000" algn="tl">
                   <a:srgbClr val="000000">
@@ -4760,7 +4760,7 @@
     </p:spTree>
     <p:extLst>
       <p:ext uri="{BB962C8B-B14F-4D97-AF65-F5344CB8AC3E}">
-        <p14:creationId xmlns="" xmlns:p14="http://schemas.microsoft.com/office/powerpoint/2010/main" val="2297532306"/>
+        <p14:creationId xmlns:p14="http://schemas.microsoft.com/office/powerpoint/2010/main" xmlns="" val="2297532306"/>
       </p:ext>
     </p:extLst>
   </p:cSld>
@@ -4807,7 +4807,7 @@
         <p:spPr>
           <a:xfrm>
             <a:off x="0" y="0"/>
-            <a:ext cx="9144000" cy="1524000"/>
+            <a:ext cx="9144000" cy="1143000"/>
           </a:xfrm>
         </p:spPr>
         <p:txBody>
@@ -4847,8 +4847,8 @@
         </p:nvSpPr>
         <p:spPr>
           <a:xfrm>
-            <a:off x="0" y="1600200"/>
-            <a:ext cx="9144000" cy="5257800"/>
+            <a:off x="0" y="1200150"/>
+            <a:ext cx="9144000" cy="3943350"/>
           </a:xfrm>
         </p:spPr>
         <p:txBody>
@@ -4861,7 +4861,7 @@
               <a:buNone/>
             </a:pPr>
             <a:r>
-              <a:rPr lang="zh-TW" altLang="en-US" sz="6600" b="1" dirty="0" smtClean="0">
+              <a:rPr lang="zh-TW" altLang="en-US" sz="5400" b="1" dirty="0" smtClean="0">
                 <a:solidFill>
                   <a:srgbClr val="000066"/>
                 </a:solidFill>
@@ -4878,7 +4878,7 @@
               <a:t>把 心 中 這 一 份 愛</a:t>
             </a:r>
             <a:r>
-              <a:rPr lang="zh-TW" altLang="en-US" sz="5400" b="1" dirty="0" smtClean="0">
+              <a:rPr lang="zh-TW" altLang="en-US" sz="4400" b="1" dirty="0" smtClean="0">
                 <a:solidFill>
                   <a:srgbClr val="000066"/>
                 </a:solidFill>
@@ -4887,7 +4887,7 @@
               </a:rPr>
               <a:t> </a:t>
             </a:r>
-            <a:endParaRPr lang="en-US" altLang="zh-TW" sz="5400" b="1" dirty="0" smtClean="0">
+            <a:endParaRPr lang="en-US" altLang="zh-TW" sz="4400" b="1" dirty="0" smtClean="0">
               <a:solidFill>
                 <a:srgbClr val="000066"/>
               </a:solidFill>
@@ -4900,7 +4900,7 @@
               <a:buNone/>
             </a:pPr>
             <a:r>
-              <a:rPr lang="en-US" sz="4400" b="1" dirty="0" err="1">
+              <a:rPr lang="en-US" sz="3600" b="1" dirty="0" err="1">
                 <a:effectLst>
                   <a:outerShdw blurRad="38100" dist="38100" dir="2700000" algn="tl">
                     <a:srgbClr val="000000">
@@ -4914,7 +4914,7 @@
               <a:t>Bǎ</a:t>
             </a:r>
             <a:r>
-              <a:rPr lang="en-US" sz="4400" b="1" dirty="0">
+              <a:rPr lang="en-US" sz="3600" b="1" dirty="0">
                 <a:effectLst>
                   <a:outerShdw blurRad="38100" dist="38100" dir="2700000" algn="tl">
                     <a:srgbClr val="000000">
@@ -4928,7 +4928,7 @@
               <a:t> </a:t>
             </a:r>
             <a:r>
-              <a:rPr lang="en-US" sz="4400" b="1" dirty="0" smtClean="0">
+              <a:rPr lang="en-US" sz="3600" b="1" dirty="0" smtClean="0">
                 <a:effectLst>
                   <a:outerShdw blurRad="38100" dist="38100" dir="2700000" algn="tl">
                     <a:srgbClr val="000000">
@@ -4942,7 +4942,7 @@
               <a:t> </a:t>
             </a:r>
             <a:r>
-              <a:rPr lang="en-US" sz="4400" b="1" dirty="0" err="1" smtClean="0">
+              <a:rPr lang="en-US" sz="3600" b="1" dirty="0" err="1" smtClean="0">
                 <a:effectLst>
                   <a:outerShdw blurRad="38100" dist="38100" dir="2700000" algn="tl">
                     <a:srgbClr val="000000">
@@ -4956,7 +4956,7 @@
               <a:t>xīn</a:t>
             </a:r>
             <a:r>
-              <a:rPr lang="en-US" sz="4400" b="1" dirty="0" smtClean="0">
+              <a:rPr lang="en-US" sz="3600" b="1" dirty="0" smtClean="0">
                 <a:effectLst>
                   <a:outerShdw blurRad="38100" dist="38100" dir="2700000" algn="tl">
                     <a:srgbClr val="000000">
@@ -4970,7 +4970,7 @@
               <a:t>  </a:t>
             </a:r>
             <a:r>
-              <a:rPr lang="en-US" sz="4400" b="1" dirty="0" err="1" smtClean="0">
+              <a:rPr lang="en-US" sz="3600" b="1" dirty="0" err="1" smtClean="0">
                 <a:effectLst>
                   <a:outerShdw blurRad="38100" dist="38100" dir="2700000" algn="tl">
                     <a:srgbClr val="000000">
@@ -4984,7 +4984,7 @@
               <a:t>zhōng</a:t>
             </a:r>
             <a:r>
-              <a:rPr lang="en-US" sz="4400" b="1" dirty="0" smtClean="0">
+              <a:rPr lang="en-US" sz="3600" b="1" dirty="0" smtClean="0">
                 <a:effectLst>
                   <a:outerShdw blurRad="38100" dist="38100" dir="2700000" algn="tl">
                     <a:srgbClr val="000000">
@@ -4998,7 +4998,7 @@
               <a:t>  </a:t>
             </a:r>
             <a:r>
-              <a:rPr lang="en-US" sz="4400" b="1" dirty="0" err="1" smtClean="0">
+              <a:rPr lang="en-US" sz="3600" b="1" dirty="0" err="1" smtClean="0">
                 <a:effectLst>
                   <a:outerShdw blurRad="38100" dist="38100" dir="2700000" algn="tl">
                     <a:srgbClr val="000000">
@@ -5012,7 +5012,7 @@
               <a:t>zhè</a:t>
             </a:r>
             <a:r>
-              <a:rPr lang="en-US" sz="4400" b="1" dirty="0" smtClean="0">
+              <a:rPr lang="en-US" sz="3600" b="1" dirty="0" smtClean="0">
                 <a:effectLst>
                   <a:outerShdw blurRad="38100" dist="38100" dir="2700000" algn="tl">
                     <a:srgbClr val="000000">
@@ -5026,7 +5026,7 @@
               <a:t>  </a:t>
             </a:r>
             <a:r>
-              <a:rPr lang="en-US" sz="4400" b="1" dirty="0" err="1" smtClean="0">
+              <a:rPr lang="en-US" sz="3600" b="1" dirty="0" err="1" smtClean="0">
                 <a:effectLst>
                   <a:outerShdw blurRad="38100" dist="38100" dir="2700000" algn="tl">
                     <a:srgbClr val="000000">
@@ -5040,7 +5040,7 @@
               <a:t>yī</a:t>
             </a:r>
             <a:r>
-              <a:rPr lang="en-US" sz="4400" b="1" dirty="0" smtClean="0">
+              <a:rPr lang="en-US" sz="3600" b="1" dirty="0" smtClean="0">
                 <a:effectLst>
                   <a:outerShdw blurRad="38100" dist="38100" dir="2700000" algn="tl">
                     <a:srgbClr val="000000">
@@ -5054,7 +5054,7 @@
               <a:t>  </a:t>
             </a:r>
             <a:r>
-              <a:rPr lang="en-US" sz="4400" b="1" dirty="0" err="1" smtClean="0">
+              <a:rPr lang="en-US" sz="3600" b="1" dirty="0" err="1" smtClean="0">
                 <a:effectLst>
                   <a:outerShdw blurRad="38100" dist="38100" dir="2700000" algn="tl">
                     <a:srgbClr val="000000">
@@ -5068,7 +5068,7 @@
               <a:t>fèn</a:t>
             </a:r>
             <a:r>
-              <a:rPr lang="en-US" sz="4400" b="1" dirty="0" smtClean="0">
+              <a:rPr lang="en-US" sz="3600" b="1" dirty="0" smtClean="0">
                 <a:effectLst>
                   <a:outerShdw blurRad="38100" dist="38100" dir="2700000" algn="tl">
                     <a:srgbClr val="000000">
@@ -5082,7 +5082,7 @@
               <a:t>  </a:t>
             </a:r>
             <a:r>
-              <a:rPr lang="en-US" sz="4400" b="1" dirty="0" err="1" smtClean="0">
+              <a:rPr lang="en-US" sz="3600" b="1" dirty="0" err="1" smtClean="0">
                 <a:effectLst>
                   <a:outerShdw blurRad="38100" dist="38100" dir="2700000" algn="tl">
                     <a:srgbClr val="000000">
@@ -5095,7 +5095,7 @@
               </a:rPr>
               <a:t>ài</a:t>
             </a:r>
-            <a:endParaRPr lang="en-US" altLang="zh-TW" sz="4400" b="1" dirty="0">
+            <a:endParaRPr lang="en-US" altLang="zh-TW" sz="3600" b="1" dirty="0">
               <a:effectLst>
                 <a:outerShdw blurRad="38100" dist="38100" dir="2700000" algn="tl">
                   <a:srgbClr val="000000">
@@ -5112,7 +5112,7 @@
               <a:buNone/>
             </a:pPr>
             <a:r>
-              <a:rPr lang="zh-TW" altLang="en-US" sz="6600" b="1" dirty="0" smtClean="0">
+              <a:rPr lang="zh-TW" altLang="en-US" sz="5400" b="1" dirty="0" smtClean="0">
                 <a:solidFill>
                   <a:srgbClr val="000066"/>
                 </a:solidFill>
@@ -5128,7 +5128,7 @@
               </a:rPr>
               <a:t>活 出 來</a:t>
             </a:r>
-            <a:endParaRPr lang="en-US" altLang="zh-TW" sz="6600" b="1" dirty="0">
+            <a:endParaRPr lang="en-US" altLang="zh-TW" sz="5400" b="1" dirty="0">
               <a:solidFill>
                 <a:srgbClr val="000066"/>
               </a:solidFill>
@@ -5148,7 +5148,7 @@
               <a:buNone/>
             </a:pPr>
             <a:r>
-              <a:rPr lang="en-US" sz="4400" b="1" dirty="0" err="1">
+              <a:rPr lang="en-US" sz="3600" b="1" dirty="0" err="1">
                 <a:effectLst>
                   <a:outerShdw blurRad="38100" dist="38100" dir="2700000" algn="tl">
                     <a:srgbClr val="000000">
@@ -5162,7 +5162,7 @@
               <a:t>Huó</a:t>
             </a:r>
             <a:r>
-              <a:rPr lang="en-US" sz="4400" b="1" dirty="0">
+              <a:rPr lang="en-US" sz="3600" b="1" dirty="0">
                 <a:effectLst>
                   <a:outerShdw blurRad="38100" dist="38100" dir="2700000" algn="tl">
                     <a:srgbClr val="000000">
@@ -5176,7 +5176,7 @@
               <a:t> </a:t>
             </a:r>
             <a:r>
-              <a:rPr lang="en-US" sz="4400" b="1" dirty="0" smtClean="0">
+              <a:rPr lang="en-US" sz="3600" b="1" dirty="0" smtClean="0">
                 <a:effectLst>
                   <a:outerShdw blurRad="38100" dist="38100" dir="2700000" algn="tl">
                     <a:srgbClr val="000000">
@@ -5190,7 +5190,7 @@
               <a:t> </a:t>
             </a:r>
             <a:r>
-              <a:rPr lang="en-US" sz="4400" b="1" dirty="0" err="1" smtClean="0">
+              <a:rPr lang="en-US" sz="3600" b="1" dirty="0" err="1" smtClean="0">
                 <a:effectLst>
                   <a:outerShdw blurRad="38100" dist="38100" dir="2700000" algn="tl">
                     <a:srgbClr val="000000">
@@ -5204,7 +5204,7 @@
               <a:t>chū</a:t>
             </a:r>
             <a:r>
-              <a:rPr lang="en-US" sz="4400" b="1" dirty="0" smtClean="0">
+              <a:rPr lang="en-US" sz="3600" b="1" dirty="0" smtClean="0">
                 <a:effectLst>
                   <a:outerShdw blurRad="38100" dist="38100" dir="2700000" algn="tl">
                     <a:srgbClr val="000000">
@@ -5218,7 +5218,7 @@
               <a:t>  </a:t>
             </a:r>
             <a:r>
-              <a:rPr lang="en-US" sz="4400" b="1" dirty="0" err="1" smtClean="0">
+              <a:rPr lang="en-US" sz="3600" b="1" dirty="0" err="1" smtClean="0">
                 <a:effectLst>
                   <a:outerShdw blurRad="38100" dist="38100" dir="2700000" algn="tl">
                     <a:srgbClr val="000000">
@@ -5231,7 +5231,7 @@
               </a:rPr>
               <a:t>lái</a:t>
             </a:r>
-            <a:endParaRPr lang="zh-TW" altLang="en-US" sz="4400" b="1" dirty="0">
+            <a:endParaRPr lang="zh-TW" altLang="en-US" sz="3600" b="1" dirty="0">
               <a:effectLst>
                 <a:outerShdw blurRad="38100" dist="38100" dir="2700000" algn="tl">
                   <a:srgbClr val="000000">
@@ -5248,7 +5248,7 @@
     </p:spTree>
     <p:extLst>
       <p:ext uri="{BB962C8B-B14F-4D97-AF65-F5344CB8AC3E}">
-        <p14:creationId xmlns="" xmlns:p14="http://schemas.microsoft.com/office/powerpoint/2010/main" val="2753639670"/>
+        <p14:creationId xmlns:p14="http://schemas.microsoft.com/office/powerpoint/2010/main" xmlns="" val="2753639670"/>
       </p:ext>
     </p:extLst>
   </p:cSld>
@@ -5295,7 +5295,7 @@
         <p:spPr>
           <a:xfrm>
             <a:off x="0" y="0"/>
-            <a:ext cx="9144000" cy="1524000"/>
+            <a:ext cx="9144000" cy="1143000"/>
           </a:xfrm>
         </p:spPr>
         <p:txBody>
@@ -5335,8 +5335,8 @@
         </p:nvSpPr>
         <p:spPr>
           <a:xfrm>
-            <a:off x="0" y="1600200"/>
-            <a:ext cx="9144000" cy="5257800"/>
+            <a:off x="0" y="1200150"/>
+            <a:ext cx="9144000" cy="3943350"/>
           </a:xfrm>
         </p:spPr>
         <p:txBody>
@@ -5349,7 +5349,7 @@
               <a:buNone/>
             </a:pPr>
             <a:r>
-              <a:rPr lang="zh-TW" altLang="en-US" sz="6600" b="1" dirty="0">
+              <a:rPr lang="zh-TW" altLang="en-US" sz="5400" b="1" dirty="0">
                 <a:solidFill>
                   <a:srgbClr val="000066"/>
                 </a:solidFill>
@@ -5365,7 +5365,7 @@
               </a:rPr>
               <a:t>耶穌的愛激勵我</a:t>
             </a:r>
-            <a:endParaRPr lang="en-US" altLang="zh-TW" sz="6600" b="1" dirty="0">
+            <a:endParaRPr lang="en-US" altLang="zh-TW" sz="5400" b="1" dirty="0">
               <a:solidFill>
                 <a:srgbClr val="000066"/>
               </a:solidFill>
@@ -5385,7 +5385,7 @@
               <a:buNone/>
             </a:pPr>
             <a:r>
-              <a:rPr lang="en-US" sz="4400" b="1" dirty="0" err="1">
+              <a:rPr lang="en-US" sz="3600" b="1" dirty="0" err="1">
                 <a:effectLst>
                   <a:outerShdw blurRad="38100" dist="38100" dir="2700000" algn="tl">
                     <a:srgbClr val="000000">
@@ -5399,7 +5399,7 @@
               <a:t>Yē</a:t>
             </a:r>
             <a:r>
-              <a:rPr lang="en-US" sz="4400" b="1" dirty="0">
+              <a:rPr lang="en-US" sz="3600" b="1" dirty="0">
                 <a:effectLst>
                   <a:outerShdw blurRad="38100" dist="38100" dir="2700000" algn="tl">
                     <a:srgbClr val="000000">
@@ -5413,7 +5413,7 @@
               <a:t> </a:t>
             </a:r>
             <a:r>
-              <a:rPr lang="en-US" sz="4400" b="1" dirty="0" smtClean="0">
+              <a:rPr lang="en-US" sz="3600" b="1" dirty="0" smtClean="0">
                 <a:effectLst>
                   <a:outerShdw blurRad="38100" dist="38100" dir="2700000" algn="tl">
                     <a:srgbClr val="000000">
@@ -5427,7 +5427,7 @@
               <a:t>  </a:t>
             </a:r>
             <a:r>
-              <a:rPr lang="en-US" sz="4400" b="1" dirty="0" err="1" smtClean="0">
+              <a:rPr lang="en-US" sz="3600" b="1" dirty="0" err="1" smtClean="0">
                 <a:effectLst>
                   <a:outerShdw blurRad="38100" dist="38100" dir="2700000" algn="tl">
                     <a:srgbClr val="000000">
@@ -5441,7 +5441,7 @@
               <a:t>sū</a:t>
             </a:r>
             <a:r>
-              <a:rPr lang="en-US" sz="4400" b="1" dirty="0" smtClean="0">
+              <a:rPr lang="en-US" sz="3600" b="1" dirty="0" smtClean="0">
                 <a:effectLst>
                   <a:outerShdw blurRad="38100" dist="38100" dir="2700000" algn="tl">
                     <a:srgbClr val="000000">
@@ -5455,7 +5455,7 @@
               <a:t>   de   </a:t>
             </a:r>
             <a:r>
-              <a:rPr lang="en-US" sz="4400" b="1" dirty="0" err="1" smtClean="0">
+              <a:rPr lang="en-US" sz="3600" b="1" dirty="0" err="1" smtClean="0">
                 <a:effectLst>
                   <a:outerShdw blurRad="38100" dist="38100" dir="2700000" algn="tl">
                     <a:srgbClr val="000000">
@@ -5469,7 +5469,7 @@
               <a:t>ài</a:t>
             </a:r>
             <a:r>
-              <a:rPr lang="en-US" sz="4400" b="1" dirty="0" smtClean="0">
+              <a:rPr lang="en-US" sz="3600" b="1" dirty="0" smtClean="0">
                 <a:effectLst>
                   <a:outerShdw blurRad="38100" dist="38100" dir="2700000" algn="tl">
                     <a:srgbClr val="000000">
@@ -5483,7 +5483,7 @@
               <a:t>   </a:t>
             </a:r>
             <a:r>
-              <a:rPr lang="en-US" sz="4400" b="1" dirty="0" err="1" smtClean="0">
+              <a:rPr lang="en-US" sz="3600" b="1" dirty="0" err="1" smtClean="0">
                 <a:effectLst>
                   <a:outerShdw blurRad="38100" dist="38100" dir="2700000" algn="tl">
                     <a:srgbClr val="000000">
@@ -5497,7 +5497,7 @@
               <a:t>jī</a:t>
             </a:r>
             <a:r>
-              <a:rPr lang="en-US" sz="4400" b="1" dirty="0" smtClean="0">
+              <a:rPr lang="en-US" sz="3600" b="1" dirty="0" smtClean="0">
                 <a:effectLst>
                   <a:outerShdw blurRad="38100" dist="38100" dir="2700000" algn="tl">
                     <a:srgbClr val="000000">
@@ -5511,7 +5511,7 @@
               <a:t>   </a:t>
             </a:r>
             <a:r>
-              <a:rPr lang="en-US" sz="4400" b="1" dirty="0" err="1" smtClean="0">
+              <a:rPr lang="en-US" sz="3600" b="1" dirty="0" err="1" smtClean="0">
                 <a:effectLst>
                   <a:outerShdw blurRad="38100" dist="38100" dir="2700000" algn="tl">
                     <a:srgbClr val="000000">
@@ -5525,7 +5525,7 @@
               <a:t>lì</a:t>
             </a:r>
             <a:r>
-              <a:rPr lang="en-US" sz="4400" b="1" dirty="0" smtClean="0">
+              <a:rPr lang="en-US" sz="3600" b="1" dirty="0" smtClean="0">
                 <a:effectLst>
                   <a:outerShdw blurRad="38100" dist="38100" dir="2700000" algn="tl">
                     <a:srgbClr val="000000">
@@ -5539,7 +5539,7 @@
               <a:t>   </a:t>
             </a:r>
             <a:r>
-              <a:rPr lang="en-US" sz="4400" b="1" dirty="0" err="1" smtClean="0">
+              <a:rPr lang="en-US" sz="3600" b="1" dirty="0" err="1" smtClean="0">
                 <a:effectLst>
                   <a:outerShdw blurRad="38100" dist="38100" dir="2700000" algn="tl">
                     <a:srgbClr val="000000">
@@ -5552,7 +5552,7 @@
               </a:rPr>
               <a:t>wǒ</a:t>
             </a:r>
-            <a:endParaRPr lang="en-US" altLang="zh-CN" sz="4400" b="1" dirty="0">
+            <a:endParaRPr lang="en-US" altLang="zh-CN" sz="3600" b="1" dirty="0">
               <a:effectLst>
                 <a:outerShdw blurRad="38100" dist="38100" dir="2700000" algn="tl">
                   <a:srgbClr val="000000">
@@ -5569,7 +5569,7 @@
               <a:buNone/>
             </a:pPr>
             <a:r>
-              <a:rPr lang="zh-CN" altLang="en-US" sz="6600" b="1" dirty="0" smtClean="0">
+              <a:rPr lang="zh-CN" altLang="en-US" sz="5400" b="1" dirty="0" smtClean="0">
                 <a:solidFill>
                   <a:srgbClr val="000066"/>
                 </a:solidFill>
@@ -5586,7 +5586,7 @@
               <a:t>敞 開 </a:t>
             </a:r>
             <a:r>
-              <a:rPr lang="zh-TW" altLang="en-US" sz="6600" b="1" dirty="0" smtClean="0">
+              <a:rPr lang="zh-TW" altLang="en-US" sz="5400" b="1" dirty="0" smtClean="0">
                 <a:solidFill>
                   <a:srgbClr val="000066"/>
                 </a:solidFill>
@@ -5602,7 +5602,7 @@
               </a:rPr>
               <a:t>我 的 生 命</a:t>
             </a:r>
-            <a:endParaRPr lang="en-US" altLang="zh-TW" sz="6600" b="1" dirty="0">
+            <a:endParaRPr lang="en-US" altLang="zh-TW" sz="5400" b="1" dirty="0">
               <a:solidFill>
                 <a:srgbClr val="000066"/>
               </a:solidFill>
@@ -5622,7 +5622,7 @@
               <a:buNone/>
             </a:pPr>
             <a:r>
-              <a:rPr lang="en-US" sz="4400" b="1" dirty="0" err="1">
+              <a:rPr lang="en-US" sz="3600" b="1" dirty="0" err="1">
                 <a:effectLst>
                   <a:outerShdw blurRad="38100" dist="38100" dir="2700000" algn="tl">
                     <a:srgbClr val="000000">
@@ -5636,7 +5636,7 @@
               <a:t>Chǎng</a:t>
             </a:r>
             <a:r>
-              <a:rPr lang="en-US" sz="4400" b="1" dirty="0">
+              <a:rPr lang="en-US" sz="3600" b="1" dirty="0">
                 <a:effectLst>
                   <a:outerShdw blurRad="38100" dist="38100" dir="2700000" algn="tl">
                     <a:srgbClr val="000000">
@@ -5650,7 +5650,7 @@
               <a:t> </a:t>
             </a:r>
             <a:r>
-              <a:rPr lang="en-US" sz="4400" b="1" dirty="0" err="1">
+              <a:rPr lang="en-US" sz="3600" b="1" dirty="0" err="1">
                 <a:effectLst>
                   <a:outerShdw blurRad="38100" dist="38100" dir="2700000" algn="tl">
                     <a:srgbClr val="000000">
@@ -5664,7 +5664,7 @@
               <a:t>kāi</a:t>
             </a:r>
             <a:r>
-              <a:rPr lang="en-US" sz="4400" b="1" dirty="0">
+              <a:rPr lang="en-US" sz="3600" b="1" dirty="0">
                 <a:effectLst>
                   <a:outerShdw blurRad="38100" dist="38100" dir="2700000" algn="tl">
                     <a:srgbClr val="000000">
@@ -5678,7 +5678,7 @@
               <a:t> </a:t>
             </a:r>
             <a:r>
-              <a:rPr lang="en-US" sz="4400" b="1" dirty="0" err="1">
+              <a:rPr lang="en-US" sz="3600" b="1" dirty="0" err="1">
                 <a:effectLst>
                   <a:outerShdw blurRad="38100" dist="38100" dir="2700000" algn="tl">
                     <a:srgbClr val="000000">
@@ -5692,7 +5692,7 @@
               <a:t>wǒ</a:t>
             </a:r>
             <a:r>
-              <a:rPr lang="en-US" sz="4400" b="1" dirty="0">
+              <a:rPr lang="en-US" sz="3600" b="1" dirty="0">
                 <a:effectLst>
                   <a:outerShdw blurRad="38100" dist="38100" dir="2700000" algn="tl">
                     <a:srgbClr val="000000">
@@ -5706,7 +5706,7 @@
               <a:t> de sheng </a:t>
             </a:r>
             <a:r>
-              <a:rPr lang="en-US" sz="4400" b="1" dirty="0" err="1">
+              <a:rPr lang="en-US" sz="3600" b="1" dirty="0" err="1">
                 <a:effectLst>
                   <a:outerShdw blurRad="38100" dist="38100" dir="2700000" algn="tl">
                     <a:srgbClr val="000000">
@@ -5719,7 +5719,7 @@
               </a:rPr>
               <a:t>mìng</a:t>
             </a:r>
-            <a:endParaRPr lang="en-US" altLang="zh-TW" sz="4400" b="1" dirty="0">
+            <a:endParaRPr lang="en-US" altLang="zh-TW" sz="3600" b="1" dirty="0">
               <a:effectLst>
                 <a:outerShdw blurRad="38100" dist="38100" dir="2700000" algn="tl">
                   <a:srgbClr val="000000">
@@ -5736,7 +5736,7 @@
     </p:spTree>
     <p:extLst>
       <p:ext uri="{BB962C8B-B14F-4D97-AF65-F5344CB8AC3E}">
-        <p14:creationId xmlns="" xmlns:p14="http://schemas.microsoft.com/office/powerpoint/2010/main" val="3171650898"/>
+        <p14:creationId xmlns:p14="http://schemas.microsoft.com/office/powerpoint/2010/main" xmlns="" val="3171650898"/>
       </p:ext>
     </p:extLst>
   </p:cSld>
@@ -5783,7 +5783,7 @@
         <p:spPr>
           <a:xfrm>
             <a:off x="0" y="0"/>
-            <a:ext cx="9144000" cy="1524000"/>
+            <a:ext cx="9144000" cy="1143000"/>
           </a:xfrm>
         </p:spPr>
         <p:txBody>
@@ -5823,8 +5823,8 @@
         </p:nvSpPr>
         <p:spPr>
           <a:xfrm>
-            <a:off x="0" y="1600200"/>
-            <a:ext cx="9144000" cy="5257800"/>
+            <a:off x="0" y="1200150"/>
+            <a:ext cx="9144000" cy="3943350"/>
           </a:xfrm>
         </p:spPr>
         <p:txBody>
@@ -5837,7 +5837,7 @@
               <a:buNone/>
             </a:pPr>
             <a:r>
-              <a:rPr lang="zh-TW" altLang="en-US" sz="6600" b="1" dirty="0" smtClean="0">
+              <a:rPr lang="zh-TW" altLang="en-US" sz="5400" b="1" dirty="0" smtClean="0">
                 <a:solidFill>
                   <a:srgbClr val="000066"/>
                 </a:solidFill>
@@ -5853,7 +5853,7 @@
               </a:rPr>
               <a:t>讓 自 己 成 為</a:t>
             </a:r>
-            <a:endParaRPr lang="en-US" altLang="zh-TW" sz="6600" b="1" dirty="0">
+            <a:endParaRPr lang="en-US" altLang="zh-TW" sz="5400" b="1" dirty="0">
               <a:solidFill>
                 <a:srgbClr val="000066"/>
               </a:solidFill>
@@ -5873,7 +5873,7 @@
               <a:buNone/>
             </a:pPr>
             <a:r>
-              <a:rPr lang="en-US" sz="4400" b="1" dirty="0" err="1">
+              <a:rPr lang="en-US" sz="3600" b="1" dirty="0" err="1">
                 <a:effectLst>
                   <a:outerShdw blurRad="38100" dist="38100" dir="2700000" algn="tl">
                     <a:srgbClr val="000000">
@@ -5887,7 +5887,7 @@
               <a:t>Ràng</a:t>
             </a:r>
             <a:r>
-              <a:rPr lang="en-US" sz="4400" b="1" dirty="0">
+              <a:rPr lang="en-US" sz="3600" b="1" dirty="0">
                 <a:effectLst>
                   <a:outerShdw blurRad="38100" dist="38100" dir="2700000" algn="tl">
                     <a:srgbClr val="000000">
@@ -5901,7 +5901,7 @@
               <a:t> </a:t>
             </a:r>
             <a:r>
-              <a:rPr lang="en-US" sz="4400" b="1" dirty="0" err="1">
+              <a:rPr lang="en-US" sz="3600" b="1" dirty="0" err="1">
                 <a:effectLst>
                   <a:outerShdw blurRad="38100" dist="38100" dir="2700000" algn="tl">
                     <a:srgbClr val="000000">
@@ -5915,7 +5915,7 @@
               <a:t>zì</a:t>
             </a:r>
             <a:r>
-              <a:rPr lang="en-US" sz="4400" b="1" dirty="0">
+              <a:rPr lang="en-US" sz="3600" b="1" dirty="0">
                 <a:effectLst>
                   <a:outerShdw blurRad="38100" dist="38100" dir="2700000" algn="tl">
                     <a:srgbClr val="000000">
@@ -5929,7 +5929,7 @@
               <a:t> </a:t>
             </a:r>
             <a:r>
-              <a:rPr lang="en-US" sz="4400" b="1" dirty="0" err="1">
+              <a:rPr lang="en-US" sz="3600" b="1" dirty="0" err="1">
                 <a:effectLst>
                   <a:outerShdw blurRad="38100" dist="38100" dir="2700000" algn="tl">
                     <a:srgbClr val="000000">
@@ -5943,7 +5943,7 @@
               <a:t>jǐ</a:t>
             </a:r>
             <a:r>
-              <a:rPr lang="en-US" sz="4400" b="1" dirty="0">
+              <a:rPr lang="en-US" sz="3600" b="1" dirty="0">
                 <a:effectLst>
                   <a:outerShdw blurRad="38100" dist="38100" dir="2700000" algn="tl">
                     <a:srgbClr val="000000">
@@ -5957,7 +5957,7 @@
               <a:t> </a:t>
             </a:r>
             <a:r>
-              <a:rPr lang="en-US" sz="4400" b="1" dirty="0" err="1">
+              <a:rPr lang="en-US" sz="3600" b="1" dirty="0" err="1">
                 <a:effectLst>
                   <a:outerShdw blurRad="38100" dist="38100" dir="2700000" algn="tl">
                     <a:srgbClr val="000000">
@@ -5971,7 +5971,7 @@
               <a:t>chéng</a:t>
             </a:r>
             <a:r>
-              <a:rPr lang="en-US" sz="4400" b="1" dirty="0">
+              <a:rPr lang="en-US" sz="3600" b="1" dirty="0">
                 <a:effectLst>
                   <a:outerShdw blurRad="38100" dist="38100" dir="2700000" algn="tl">
                     <a:srgbClr val="000000">
@@ -5985,7 +5985,7 @@
               <a:t> </a:t>
             </a:r>
             <a:r>
-              <a:rPr lang="en-US" sz="4400" b="1" dirty="0" err="1">
+              <a:rPr lang="en-US" sz="3600" b="1" dirty="0" err="1">
                 <a:effectLst>
                   <a:outerShdw blurRad="38100" dist="38100" dir="2700000" algn="tl">
                     <a:srgbClr val="000000">
@@ -5999,7 +5999,7 @@
               <a:t>wéi</a:t>
             </a:r>
             <a:r>
-              <a:rPr lang="en-US" sz="4400" b="1" dirty="0">
+              <a:rPr lang="en-US" sz="3600" b="1" dirty="0">
                 <a:effectLst>
                   <a:outerShdw blurRad="38100" dist="38100" dir="2700000" algn="tl">
                     <a:srgbClr val="000000">
@@ -6018,7 +6018,7 @@
               <a:buNone/>
             </a:pPr>
             <a:r>
-              <a:rPr lang="zh-TW" altLang="en-US" sz="6600" b="1" dirty="0">
+              <a:rPr lang="zh-TW" altLang="en-US" sz="5400" b="1" dirty="0">
                 <a:solidFill>
                   <a:srgbClr val="000066"/>
                 </a:solidFill>
@@ -6034,7 +6034,7 @@
               </a:rPr>
               <a:t>別人祝福</a:t>
             </a:r>
-            <a:endParaRPr lang="en-US" altLang="zh-TW" sz="6600" b="1" dirty="0">
+            <a:endParaRPr lang="en-US" altLang="zh-TW" sz="5400" b="1" dirty="0">
               <a:solidFill>
                 <a:srgbClr val="000066"/>
               </a:solidFill>
@@ -6054,7 +6054,7 @@
               <a:buNone/>
             </a:pPr>
             <a:r>
-              <a:rPr lang="en-US" sz="4400" b="1" dirty="0" err="1">
+              <a:rPr lang="en-US" sz="3600" b="1" dirty="0" err="1">
                 <a:effectLst>
                   <a:outerShdw blurRad="38100" dist="38100" dir="2700000" algn="tl">
                     <a:srgbClr val="000000">
@@ -6068,7 +6068,7 @@
               <a:t>bié</a:t>
             </a:r>
             <a:r>
-              <a:rPr lang="en-US" sz="4400" b="1" dirty="0">
+              <a:rPr lang="en-US" sz="3600" b="1" dirty="0">
                 <a:effectLst>
                   <a:outerShdw blurRad="38100" dist="38100" dir="2700000" algn="tl">
                     <a:srgbClr val="000000">
@@ -6082,7 +6082,7 @@
               <a:t> </a:t>
             </a:r>
             <a:r>
-              <a:rPr lang="en-US" sz="4400" b="1" dirty="0" err="1">
+              <a:rPr lang="en-US" sz="3600" b="1" dirty="0" err="1">
                 <a:effectLst>
                   <a:outerShdw blurRad="38100" dist="38100" dir="2700000" algn="tl">
                     <a:srgbClr val="000000">
@@ -6096,7 +6096,7 @@
               <a:t>rén</a:t>
             </a:r>
             <a:r>
-              <a:rPr lang="en-US" sz="4400" b="1" dirty="0">
+              <a:rPr lang="en-US" sz="3600" b="1" dirty="0">
                 <a:effectLst>
                   <a:outerShdw blurRad="38100" dist="38100" dir="2700000" algn="tl">
                     <a:srgbClr val="000000">
@@ -6110,7 +6110,7 @@
               <a:t> </a:t>
             </a:r>
             <a:r>
-              <a:rPr lang="en-US" sz="4400" b="1" dirty="0" err="1">
+              <a:rPr lang="en-US" sz="3600" b="1" dirty="0" err="1">
                 <a:effectLst>
                   <a:outerShdw blurRad="38100" dist="38100" dir="2700000" algn="tl">
                     <a:srgbClr val="000000">
@@ -6124,7 +6124,7 @@
               <a:t>zhù</a:t>
             </a:r>
             <a:r>
-              <a:rPr lang="en-US" sz="4400" b="1" dirty="0">
+              <a:rPr lang="en-US" sz="3600" b="1" dirty="0">
                 <a:effectLst>
                   <a:outerShdw blurRad="38100" dist="38100" dir="2700000" algn="tl">
                     <a:srgbClr val="000000">
@@ -6138,7 +6138,7 @@
               <a:t> </a:t>
             </a:r>
             <a:r>
-              <a:rPr lang="en-US" sz="4400" b="1" dirty="0" err="1">
+              <a:rPr lang="en-US" sz="3600" b="1" dirty="0" err="1">
                 <a:effectLst>
                   <a:outerShdw blurRad="38100" dist="38100" dir="2700000" algn="tl">
                     <a:srgbClr val="000000">
@@ -6151,7 +6151,7 @@
               </a:rPr>
               <a:t>fú</a:t>
             </a:r>
-            <a:endParaRPr lang="en-US" sz="4400" b="1" dirty="0">
+            <a:endParaRPr lang="en-US" sz="3600" b="1" dirty="0">
               <a:effectLst>
                 <a:outerShdw blurRad="38100" dist="38100" dir="2700000" algn="tl">
                   <a:srgbClr val="000000">
@@ -6167,7 +6167,7 @@
             <a:pPr algn="ctr">
               <a:buNone/>
             </a:pPr>
-            <a:endParaRPr lang="zh-TW" altLang="en-US" sz="4800" b="1" dirty="0">
+            <a:endParaRPr lang="zh-TW" altLang="en-US" sz="4000" b="1" dirty="0">
               <a:effectLst>
                 <a:outerShdw blurRad="38100" dist="38100" dir="2700000" algn="tl">
                   <a:srgbClr val="000000">
@@ -6184,7 +6184,7 @@
     </p:spTree>
     <p:extLst>
       <p:ext uri="{BB962C8B-B14F-4D97-AF65-F5344CB8AC3E}">
-        <p14:creationId xmlns="" xmlns:p14="http://schemas.microsoft.com/office/powerpoint/2010/main" val="1880310015"/>
+        <p14:creationId xmlns:p14="http://schemas.microsoft.com/office/powerpoint/2010/main" xmlns="" val="1880310015"/>
       </p:ext>
     </p:extLst>
   </p:cSld>
@@ -6231,7 +6231,7 @@
         <p:spPr>
           <a:xfrm>
             <a:off x="0" y="0"/>
-            <a:ext cx="9144000" cy="1524000"/>
+            <a:ext cx="9144000" cy="1143000"/>
           </a:xfrm>
         </p:spPr>
         <p:txBody>
@@ -6271,8 +6271,8 @@
         </p:nvSpPr>
         <p:spPr>
           <a:xfrm>
-            <a:off x="0" y="1600200"/>
-            <a:ext cx="9144000" cy="5257800"/>
+            <a:off x="0" y="1200150"/>
+            <a:ext cx="9144000" cy="3943350"/>
           </a:xfrm>
         </p:spPr>
         <p:txBody>
@@ -6285,7 +6285,7 @@
               <a:buNone/>
             </a:pPr>
             <a:r>
-              <a:rPr lang="zh-TW" altLang="en-US" sz="6600" b="1" dirty="0">
+              <a:rPr lang="zh-TW" altLang="en-US" sz="5400" b="1" dirty="0">
                 <a:solidFill>
                   <a:srgbClr val="000066"/>
                 </a:solidFill>
@@ -6301,7 +6301,7 @@
               </a:rPr>
               <a:t>耶穌的愛點燃我</a:t>
             </a:r>
-            <a:endParaRPr lang="en-US" altLang="zh-TW" sz="6600" b="1" dirty="0">
+            <a:endParaRPr lang="en-US" altLang="zh-TW" sz="5400" b="1" dirty="0">
               <a:solidFill>
                 <a:srgbClr val="000066"/>
               </a:solidFill>
@@ -6321,7 +6321,7 @@
               <a:buNone/>
             </a:pPr>
             <a:r>
-              <a:rPr lang="en-US" sz="4400" b="1" dirty="0" err="1" smtClean="0">
+              <a:rPr lang="en-US" sz="3600" b="1" dirty="0" err="1" smtClean="0">
                 <a:effectLst>
                   <a:outerShdw blurRad="38100" dist="38100" dir="2700000" algn="tl">
                     <a:srgbClr val="000000">
@@ -6335,7 +6335,7 @@
               <a:t>Yē</a:t>
             </a:r>
             <a:r>
-              <a:rPr lang="en-US" sz="4400" b="1" dirty="0" smtClean="0">
+              <a:rPr lang="en-US" sz="3600" b="1" dirty="0" smtClean="0">
                 <a:effectLst>
                   <a:outerShdw blurRad="38100" dist="38100" dir="2700000" algn="tl">
                     <a:srgbClr val="000000">
@@ -6349,7 +6349,7 @@
               <a:t>  </a:t>
             </a:r>
             <a:r>
-              <a:rPr lang="en-US" sz="4400" b="1" dirty="0" err="1">
+              <a:rPr lang="en-US" sz="3600" b="1" dirty="0" err="1">
                 <a:effectLst>
                   <a:outerShdw blurRad="38100" dist="38100" dir="2700000" algn="tl">
                     <a:srgbClr val="000000">
@@ -6363,7 +6363,7 @@
               <a:t>sū</a:t>
             </a:r>
             <a:r>
-              <a:rPr lang="en-US" sz="4400" b="1" dirty="0">
+              <a:rPr lang="en-US" sz="3600" b="1" dirty="0">
                 <a:effectLst>
                   <a:outerShdw blurRad="38100" dist="38100" dir="2700000" algn="tl">
                     <a:srgbClr val="000000">
@@ -6377,7 +6377,7 @@
               <a:t> </a:t>
             </a:r>
             <a:r>
-              <a:rPr lang="en-US" sz="4400" b="1" dirty="0" smtClean="0">
+              <a:rPr lang="en-US" sz="3600" b="1" dirty="0" smtClean="0">
                 <a:effectLst>
                   <a:outerShdw blurRad="38100" dist="38100" dir="2700000" algn="tl">
                     <a:srgbClr val="000000">
@@ -6391,7 +6391,7 @@
               <a:t> de  </a:t>
             </a:r>
             <a:r>
-              <a:rPr lang="en-US" sz="4400" b="1" dirty="0" err="1" smtClean="0">
+              <a:rPr lang="en-US" sz="3600" b="1" dirty="0" err="1" smtClean="0">
                 <a:effectLst>
                   <a:outerShdw blurRad="38100" dist="38100" dir="2700000" algn="tl">
                     <a:srgbClr val="000000">
@@ -6405,7 +6405,7 @@
               <a:t>ài</a:t>
             </a:r>
             <a:r>
-              <a:rPr lang="en-US" sz="4400" b="1" dirty="0" smtClean="0">
+              <a:rPr lang="en-US" sz="3600" b="1" dirty="0" smtClean="0">
                 <a:effectLst>
                   <a:outerShdw blurRad="38100" dist="38100" dir="2700000" algn="tl">
                     <a:srgbClr val="000000">
@@ -6419,7 +6419,7 @@
               <a:t> </a:t>
             </a:r>
             <a:r>
-              <a:rPr lang="en-US" sz="4400" b="1" dirty="0" err="1" smtClean="0">
+              <a:rPr lang="en-US" sz="3600" b="1" dirty="0" err="1" smtClean="0">
                 <a:effectLst>
                   <a:outerShdw blurRad="38100" dist="38100" dir="2700000" algn="tl">
                     <a:srgbClr val="000000">
@@ -6433,7 +6433,7 @@
               <a:t>diǎn</a:t>
             </a:r>
             <a:r>
-              <a:rPr lang="en-US" sz="4400" b="1" dirty="0" smtClean="0">
+              <a:rPr lang="en-US" sz="3600" b="1" dirty="0" smtClean="0">
                 <a:effectLst>
                   <a:outerShdw blurRad="38100" dist="38100" dir="2700000" algn="tl">
                     <a:srgbClr val="000000">
@@ -6447,7 +6447,7 @@
               <a:t> </a:t>
             </a:r>
             <a:r>
-              <a:rPr lang="en-US" sz="4400" b="1" dirty="0" err="1" smtClean="0">
+              <a:rPr lang="en-US" sz="3600" b="1" dirty="0" err="1" smtClean="0">
                 <a:effectLst>
                   <a:outerShdw blurRad="38100" dist="38100" dir="2700000" algn="tl">
                     <a:srgbClr val="000000">
@@ -6461,7 +6461,7 @@
               <a:t>rán</a:t>
             </a:r>
             <a:r>
-              <a:rPr lang="en-US" sz="4400" b="1" dirty="0" smtClean="0">
+              <a:rPr lang="en-US" sz="3600" b="1" dirty="0" smtClean="0">
                 <a:effectLst>
                   <a:outerShdw blurRad="38100" dist="38100" dir="2700000" algn="tl">
                     <a:srgbClr val="000000">
@@ -6475,7 +6475,7 @@
               <a:t> </a:t>
             </a:r>
             <a:r>
-              <a:rPr lang="en-US" sz="4400" b="1" dirty="0" err="1" smtClean="0">
+              <a:rPr lang="en-US" sz="3600" b="1" dirty="0" err="1" smtClean="0">
                 <a:effectLst>
                   <a:outerShdw blurRad="38100" dist="38100" dir="2700000" algn="tl">
                     <a:srgbClr val="000000">
@@ -6488,7 +6488,7 @@
               </a:rPr>
               <a:t>wǒ</a:t>
             </a:r>
-            <a:endParaRPr lang="en-US" altLang="zh-TW" sz="4400" b="1" dirty="0">
+            <a:endParaRPr lang="en-US" altLang="zh-TW" sz="3600" b="1" dirty="0">
               <a:effectLst>
                 <a:outerShdw blurRad="38100" dist="38100" dir="2700000" algn="tl">
                   <a:srgbClr val="000000">
@@ -6505,7 +6505,7 @@
               <a:buNone/>
             </a:pPr>
             <a:r>
-              <a:rPr lang="zh-TW" altLang="en-US" sz="6600" b="1" dirty="0" smtClean="0">
+              <a:rPr lang="zh-TW" altLang="en-US" sz="5400" b="1" dirty="0" smtClean="0">
                 <a:solidFill>
                   <a:srgbClr val="000066"/>
                 </a:solidFill>
@@ -6521,7 +6521,7 @@
               </a:rPr>
               <a:t>心  中  熊  熊  愛  火</a:t>
             </a:r>
-            <a:endParaRPr lang="en-US" altLang="zh-TW" sz="6600" b="1" dirty="0">
+            <a:endParaRPr lang="en-US" altLang="zh-TW" sz="5400" b="1" dirty="0">
               <a:solidFill>
                 <a:srgbClr val="000066"/>
               </a:solidFill>
@@ -6541,7 +6541,7 @@
               <a:buNone/>
             </a:pPr>
             <a:r>
-              <a:rPr lang="en-US" sz="4400" b="1" dirty="0" err="1">
+              <a:rPr lang="en-US" sz="3600" b="1" dirty="0" err="1">
                 <a:effectLst>
                   <a:outerShdw blurRad="38100" dist="38100" dir="2700000" algn="tl">
                     <a:srgbClr val="000000">
@@ -6555,7 +6555,7 @@
               <a:t>Xīn</a:t>
             </a:r>
             <a:r>
-              <a:rPr lang="en-US" sz="4400" b="1" dirty="0">
+              <a:rPr lang="en-US" sz="3600" b="1" dirty="0">
                 <a:effectLst>
                   <a:outerShdw blurRad="38100" dist="38100" dir="2700000" algn="tl">
                     <a:srgbClr val="000000">
@@ -6569,7 +6569,7 @@
               <a:t> </a:t>
             </a:r>
             <a:r>
-              <a:rPr lang="en-US" sz="4400" b="1" dirty="0" err="1">
+              <a:rPr lang="en-US" sz="3600" b="1" dirty="0" err="1">
                 <a:effectLst>
                   <a:outerShdw blurRad="38100" dist="38100" dir="2700000" algn="tl">
                     <a:srgbClr val="000000">
@@ -6583,7 +6583,7 @@
               <a:t>zhōng</a:t>
             </a:r>
             <a:r>
-              <a:rPr lang="en-US" sz="4400" b="1" dirty="0">
+              <a:rPr lang="en-US" sz="3600" b="1" dirty="0">
                 <a:effectLst>
                   <a:outerShdw blurRad="38100" dist="38100" dir="2700000" algn="tl">
                     <a:srgbClr val="000000">
@@ -6597,7 +6597,7 @@
               <a:t> </a:t>
             </a:r>
             <a:r>
-              <a:rPr lang="en-US" sz="4400" b="1" dirty="0" err="1">
+              <a:rPr lang="en-US" sz="3600" b="1" dirty="0" err="1">
                 <a:effectLst>
                   <a:outerShdw blurRad="38100" dist="38100" dir="2700000" algn="tl">
                     <a:srgbClr val="000000">
@@ -6611,7 +6611,7 @@
               <a:t>xióng</a:t>
             </a:r>
             <a:r>
-              <a:rPr lang="en-US" sz="4400" b="1" dirty="0">
+              <a:rPr lang="en-US" sz="3600" b="1" dirty="0">
                 <a:effectLst>
                   <a:outerShdw blurRad="38100" dist="38100" dir="2700000" algn="tl">
                     <a:srgbClr val="000000">
@@ -6625,7 +6625,7 @@
               <a:t> </a:t>
             </a:r>
             <a:r>
-              <a:rPr lang="en-US" sz="4400" b="1" dirty="0" err="1">
+              <a:rPr lang="en-US" sz="3600" b="1" dirty="0" err="1">
                 <a:effectLst>
                   <a:outerShdw blurRad="38100" dist="38100" dir="2700000" algn="tl">
                     <a:srgbClr val="000000">
@@ -6639,7 +6639,7 @@
               <a:t>xióng</a:t>
             </a:r>
             <a:r>
-              <a:rPr lang="en-US" sz="4400" b="1" dirty="0">
+              <a:rPr lang="en-US" sz="3600" b="1" dirty="0">
                 <a:effectLst>
                   <a:outerShdw blurRad="38100" dist="38100" dir="2700000" algn="tl">
                     <a:srgbClr val="000000">
@@ -6653,7 +6653,7 @@
               <a:t> </a:t>
             </a:r>
             <a:r>
-              <a:rPr lang="en-US" sz="4400" b="1" dirty="0" err="1">
+              <a:rPr lang="en-US" sz="3600" b="1" dirty="0" err="1">
                 <a:effectLst>
                   <a:outerShdw blurRad="38100" dist="38100" dir="2700000" algn="tl">
                     <a:srgbClr val="000000">
@@ -6667,7 +6667,7 @@
               <a:t>ài</a:t>
             </a:r>
             <a:r>
-              <a:rPr lang="en-US" sz="4400" b="1" dirty="0">
+              <a:rPr lang="en-US" sz="3600" b="1" dirty="0">
                 <a:effectLst>
                   <a:outerShdw blurRad="38100" dist="38100" dir="2700000" algn="tl">
                     <a:srgbClr val="000000">
@@ -6681,7 +6681,7 @@
               <a:t> </a:t>
             </a:r>
             <a:r>
-              <a:rPr lang="en-US" sz="4400" b="1" dirty="0" err="1">
+              <a:rPr lang="en-US" sz="3600" b="1" dirty="0" err="1">
                 <a:effectLst>
                   <a:outerShdw blurRad="38100" dist="38100" dir="2700000" algn="tl">
                     <a:srgbClr val="000000">
@@ -6694,7 +6694,7 @@
               </a:rPr>
               <a:t>huǒ</a:t>
             </a:r>
-            <a:endParaRPr lang="en-US" altLang="zh-TW" sz="4400" b="1" dirty="0">
+            <a:endParaRPr lang="en-US" altLang="zh-TW" sz="3600" b="1" dirty="0">
               <a:effectLst>
                 <a:outerShdw blurRad="38100" dist="38100" dir="2700000" algn="tl">
                   <a:srgbClr val="000000">
@@ -6711,7 +6711,7 @@
     </p:spTree>
     <p:extLst>
       <p:ext uri="{BB962C8B-B14F-4D97-AF65-F5344CB8AC3E}">
-        <p14:creationId xmlns="" xmlns:p14="http://schemas.microsoft.com/office/powerpoint/2010/main" val="4118903593"/>
+        <p14:creationId xmlns:p14="http://schemas.microsoft.com/office/powerpoint/2010/main" xmlns="" val="4118903593"/>
       </p:ext>
     </p:extLst>
   </p:cSld>
@@ -6758,7 +6758,7 @@
         <p:spPr>
           <a:xfrm>
             <a:off x="0" y="0"/>
-            <a:ext cx="9144000" cy="1524000"/>
+            <a:ext cx="9144000" cy="1143000"/>
           </a:xfrm>
         </p:spPr>
         <p:txBody>
@@ -6798,8 +6798,8 @@
         </p:nvSpPr>
         <p:spPr>
           <a:xfrm>
-            <a:off x="0" y="1600200"/>
-            <a:ext cx="9144000" cy="5257800"/>
+            <a:off x="0" y="1200150"/>
+            <a:ext cx="9144000" cy="3943350"/>
           </a:xfrm>
         </p:spPr>
         <p:txBody>
@@ -6812,7 +6812,7 @@
               <a:buNone/>
             </a:pPr>
             <a:r>
-              <a:rPr lang="zh-TW" altLang="en-US" sz="6600" b="1" dirty="0">
+              <a:rPr lang="zh-TW" altLang="en-US" sz="5400" b="1" dirty="0">
                 <a:solidFill>
                   <a:srgbClr val="000066"/>
                 </a:solidFill>
@@ -6828,7 +6828,7 @@
               </a:rPr>
               <a:t>我們一起 向世界</a:t>
             </a:r>
-            <a:endParaRPr lang="en-US" altLang="zh-TW" sz="6600" b="1" dirty="0">
+            <a:endParaRPr lang="en-US" altLang="zh-TW" sz="5400" b="1" dirty="0">
               <a:solidFill>
                 <a:srgbClr val="000066"/>
               </a:solidFill>
@@ -6848,7 +6848,7 @@
               <a:buNone/>
             </a:pPr>
             <a:r>
-              <a:rPr lang="en-US" sz="4400" b="1" dirty="0" err="1">
+              <a:rPr lang="en-US" sz="3600" b="1" dirty="0" err="1">
                 <a:effectLst>
                   <a:outerShdw blurRad="38100" dist="38100" dir="2700000" algn="tl">
                     <a:srgbClr val="000000">
@@ -6862,7 +6862,7 @@
               <a:t>Wǒ</a:t>
             </a:r>
             <a:r>
-              <a:rPr lang="en-US" sz="4400" b="1" dirty="0">
+              <a:rPr lang="en-US" sz="3600" b="1" dirty="0">
                 <a:effectLst>
                   <a:outerShdw blurRad="38100" dist="38100" dir="2700000" algn="tl">
                     <a:srgbClr val="000000">
@@ -6876,7 +6876,7 @@
               <a:t> men </a:t>
             </a:r>
             <a:r>
-              <a:rPr lang="en-US" sz="4400" b="1" dirty="0" err="1">
+              <a:rPr lang="en-US" sz="3600" b="1" dirty="0" err="1">
                 <a:effectLst>
                   <a:outerShdw blurRad="38100" dist="38100" dir="2700000" algn="tl">
                     <a:srgbClr val="000000">
@@ -6890,7 +6890,7 @@
               <a:t>yī</a:t>
             </a:r>
             <a:r>
-              <a:rPr lang="en-US" sz="4400" b="1" dirty="0">
+              <a:rPr lang="en-US" sz="3600" b="1" dirty="0">
                 <a:effectLst>
                   <a:outerShdw blurRad="38100" dist="38100" dir="2700000" algn="tl">
                     <a:srgbClr val="000000">
@@ -6904,7 +6904,7 @@
               <a:t> </a:t>
             </a:r>
             <a:r>
-              <a:rPr lang="en-US" sz="4400" b="1" dirty="0" err="1">
+              <a:rPr lang="en-US" sz="3600" b="1" dirty="0" err="1">
                 <a:effectLst>
                   <a:outerShdw blurRad="38100" dist="38100" dir="2700000" algn="tl">
                     <a:srgbClr val="000000">
@@ -6918,7 +6918,7 @@
               <a:t>qǐ</a:t>
             </a:r>
             <a:r>
-              <a:rPr lang="en-US" sz="4400" b="1" dirty="0">
+              <a:rPr lang="en-US" sz="3600" b="1" dirty="0">
                 <a:effectLst>
                   <a:outerShdw blurRad="38100" dist="38100" dir="2700000" algn="tl">
                     <a:srgbClr val="000000">
@@ -6932,7 +6932,7 @@
               <a:t> </a:t>
             </a:r>
             <a:r>
-              <a:rPr lang="en-US" sz="4400" b="1" dirty="0" smtClean="0">
+              <a:rPr lang="en-US" sz="3600" b="1" dirty="0" smtClean="0">
                 <a:effectLst>
                   <a:outerShdw blurRad="38100" dist="38100" dir="2700000" algn="tl">
                     <a:srgbClr val="000000">
@@ -6946,7 +6946,7 @@
               <a:t> </a:t>
             </a:r>
             <a:r>
-              <a:rPr lang="en-US" sz="4400" b="1" dirty="0" err="1" smtClean="0">
+              <a:rPr lang="en-US" sz="3600" b="1" dirty="0" err="1" smtClean="0">
                 <a:effectLst>
                   <a:outerShdw blurRad="38100" dist="38100" dir="2700000" algn="tl">
                     <a:srgbClr val="000000">
@@ -6960,7 +6960,7 @@
               <a:t>xiàng</a:t>
             </a:r>
             <a:r>
-              <a:rPr lang="en-US" sz="4400" b="1" dirty="0" smtClean="0">
+              <a:rPr lang="en-US" sz="3600" b="1" dirty="0" smtClean="0">
                 <a:effectLst>
                   <a:outerShdw blurRad="38100" dist="38100" dir="2700000" algn="tl">
                     <a:srgbClr val="000000">
@@ -6974,7 +6974,7 @@
               <a:t> </a:t>
             </a:r>
             <a:r>
-              <a:rPr lang="en-US" sz="4400" b="1" dirty="0" err="1">
+              <a:rPr lang="en-US" sz="3600" b="1" dirty="0" err="1">
                 <a:effectLst>
                   <a:outerShdw blurRad="38100" dist="38100" dir="2700000" algn="tl">
                     <a:srgbClr val="000000">
@@ -6988,7 +6988,7 @@
               <a:t>shì</a:t>
             </a:r>
             <a:r>
-              <a:rPr lang="en-US" sz="4400" b="1" dirty="0">
+              <a:rPr lang="en-US" sz="3600" b="1" dirty="0">
                 <a:effectLst>
                   <a:outerShdw blurRad="38100" dist="38100" dir="2700000" algn="tl">
                     <a:srgbClr val="000000">
@@ -7002,7 +7002,7 @@
               <a:t> </a:t>
             </a:r>
             <a:r>
-              <a:rPr lang="en-US" sz="4400" b="1" dirty="0" err="1">
+              <a:rPr lang="en-US" sz="3600" b="1" dirty="0" err="1">
                 <a:effectLst>
                   <a:outerShdw blurRad="38100" dist="38100" dir="2700000" algn="tl">
                     <a:srgbClr val="000000">
@@ -7015,7 +7015,7 @@
               </a:rPr>
               <a:t>jiè</a:t>
             </a:r>
-            <a:endParaRPr lang="en-US" altLang="zh-TW" sz="4400" b="1" dirty="0">
+            <a:endParaRPr lang="en-US" altLang="zh-TW" sz="3600" b="1" dirty="0">
               <a:effectLst>
                 <a:outerShdw blurRad="38100" dist="38100" dir="2700000" algn="tl">
                   <a:srgbClr val="000000">
@@ -7032,7 +7032,7 @@
               <a:buNone/>
             </a:pPr>
             <a:r>
-              <a:rPr lang="zh-TW" altLang="en-US" sz="6600" b="1" dirty="0">
+              <a:rPr lang="zh-TW" altLang="en-US" sz="5400" b="1" dirty="0">
                 <a:solidFill>
                   <a:srgbClr val="000066"/>
                 </a:solidFill>
@@ -7048,7 +7048,7 @@
               </a:rPr>
               <a:t>活出愛</a:t>
             </a:r>
-            <a:endParaRPr lang="en-US" altLang="zh-TW" sz="6600" b="1" dirty="0">
+            <a:endParaRPr lang="en-US" altLang="zh-TW" sz="5400" b="1" dirty="0">
               <a:solidFill>
                 <a:srgbClr val="000066"/>
               </a:solidFill>
@@ -7068,7 +7068,7 @@
               <a:buNone/>
             </a:pPr>
             <a:r>
-              <a:rPr lang="en-US" sz="4400" b="1" dirty="0" err="1">
+              <a:rPr lang="en-US" sz="3600" b="1" dirty="0" err="1">
                 <a:effectLst>
                   <a:outerShdw blurRad="38100" dist="38100" dir="2700000" algn="tl">
                     <a:srgbClr val="000000">
@@ -7082,7 +7082,7 @@
               <a:t>Huó</a:t>
             </a:r>
             <a:r>
-              <a:rPr lang="en-US" sz="4400" b="1" dirty="0">
+              <a:rPr lang="en-US" sz="3600" b="1" dirty="0">
                 <a:effectLst>
                   <a:outerShdw blurRad="38100" dist="38100" dir="2700000" algn="tl">
                     <a:srgbClr val="000000">
@@ -7096,7 +7096,7 @@
               <a:t> </a:t>
             </a:r>
             <a:r>
-              <a:rPr lang="en-US" sz="4400" b="1" dirty="0" err="1">
+              <a:rPr lang="en-US" sz="3600" b="1" dirty="0" err="1">
                 <a:effectLst>
                   <a:outerShdw blurRad="38100" dist="38100" dir="2700000" algn="tl">
                     <a:srgbClr val="000000">
@@ -7110,7 +7110,7 @@
               <a:t>chū</a:t>
             </a:r>
             <a:r>
-              <a:rPr lang="en-US" sz="4400" b="1" dirty="0">
+              <a:rPr lang="en-US" sz="3600" b="1" dirty="0">
                 <a:effectLst>
                   <a:outerShdw blurRad="38100" dist="38100" dir="2700000" algn="tl">
                     <a:srgbClr val="000000">
@@ -7124,7 +7124,7 @@
               <a:t> </a:t>
             </a:r>
             <a:r>
-              <a:rPr lang="en-US" sz="4400" b="1" dirty="0" err="1">
+              <a:rPr lang="en-US" sz="3600" b="1" dirty="0" err="1">
                 <a:effectLst>
                   <a:outerShdw blurRad="38100" dist="38100" dir="2700000" algn="tl">
                     <a:srgbClr val="000000">
@@ -7137,7 +7137,7 @@
               </a:rPr>
               <a:t>ài</a:t>
             </a:r>
-            <a:endParaRPr lang="zh-TW" altLang="en-US" sz="4400" b="1" dirty="0">
+            <a:endParaRPr lang="zh-TW" altLang="en-US" sz="3600" b="1" dirty="0">
               <a:effectLst>
                 <a:outerShdw blurRad="38100" dist="38100" dir="2700000" algn="tl">
                   <a:srgbClr val="000000">
@@ -7154,7 +7154,7 @@
     </p:spTree>
     <p:extLst>
       <p:ext uri="{BB962C8B-B14F-4D97-AF65-F5344CB8AC3E}">
-        <p14:creationId xmlns="" xmlns:p14="http://schemas.microsoft.com/office/powerpoint/2010/main" val="854497077"/>
+        <p14:creationId xmlns:p14="http://schemas.microsoft.com/office/powerpoint/2010/main" xmlns="" val="854497077"/>
       </p:ext>
     </p:extLst>
   </p:cSld>
@@ -7426,7 +7426,7 @@
   <a:extraClrSchemeLst/>
   <a:extLst>
     <a:ext uri="{05A4C25C-085E-4340-85A3-A5531E510DB2}">
-      <thm15:themeFamily xmlns="" xmlns:thm15="http://schemas.microsoft.com/office/thememl/2012/main" name="Office Theme" id="{62F939B6-93AF-4DB8-9C6B-D6C7DFDC589F}" vid="{4A3C46E8-61CC-4603-A589-7422A47A8E4A}"/>
+      <thm15:themeFamily xmlns:thm15="http://schemas.microsoft.com/office/thememl/2012/main" xmlns="" name="Office Theme" id="{62F939B6-93AF-4DB8-9C6B-D6C7DFDC589F}" vid="{4A3C46E8-61CC-4603-A589-7422A47A8E4A}"/>
     </a:ext>
   </a:extLst>
 </a:theme>
